--- a/Session1-matlab basics_Feb22.pptx
+++ b/Session1-matlab basics_Feb22.pptx
@@ -1,9 +1,12 @@
 
 <file path=ppt/presentation.xml><?xml version="1.0" encoding="utf-8"?>
-<p:presentation xmlns:a="http://schemas.openxmlformats.org/drawingml/2006/main" xmlns:r="http://schemas.openxmlformats.org/officeDocument/2006/relationships" xmlns:p="http://schemas.openxmlformats.org/presentationml/2006/main" saveSubsetFonts="1" autoCompressPictures="0">
+<p:presentation xmlns:a="http://schemas.openxmlformats.org/drawingml/2006/main" xmlns:r="http://schemas.openxmlformats.org/officeDocument/2006/relationships" xmlns:p="http://schemas.openxmlformats.org/presentationml/2006/main" showSpecialPlsOnTitleSld="0" saveSubsetFonts="1" autoCompressPictures="0">
   <p:sldMasterIdLst>
     <p:sldMasterId id="2147483741" r:id="rId1"/>
   </p:sldMasterIdLst>
+  <p:notesMasterIdLst>
+    <p:notesMasterId r:id="rId12"/>
+  </p:notesMasterIdLst>
   <p:sldIdLst>
     <p:sldId id="256" r:id="rId2"/>
     <p:sldId id="257" r:id="rId3"/>
@@ -14,6 +17,7 @@
     <p:sldId id="264" r:id="rId8"/>
     <p:sldId id="262" r:id="rId9"/>
     <p:sldId id="263" r:id="rId10"/>
+    <p:sldId id="265" r:id="rId11"/>
   </p:sldIdLst>
   <p:sldSz cx="12192000" cy="6858000"/>
   <p:notesSz cx="6858000" cy="9144000"/>
@@ -112,7 +116,446 @@
       </a:defRPr>
     </a:lvl9pPr>
   </p:defaultTextStyle>
+  <p:extLst>
+    <p:ext uri="{EFAFB233-063F-42B5-8137-9DF3F51BA10A}">
+      <p15:sldGuideLst xmlns:p15="http://schemas.microsoft.com/office/powerpoint/2012/main"/>
+    </p:ext>
+  </p:extLst>
 </p:presentation>
+</file>
+
+<file path=ppt/notesMasters/notesMaster1.xml><?xml version="1.0" encoding="utf-8"?>
+<p:notesMaster xmlns:a="http://schemas.openxmlformats.org/drawingml/2006/main" xmlns:r="http://schemas.openxmlformats.org/officeDocument/2006/relationships" xmlns:p="http://schemas.openxmlformats.org/presentationml/2006/main">
+  <p:cSld>
+    <p:bg>
+      <p:bgRef idx="1001">
+        <a:schemeClr val="bg1"/>
+      </p:bgRef>
+    </p:bg>
+    <p:spTree>
+      <p:nvGrpSpPr>
+        <p:cNvPr id="1" name=""/>
+        <p:cNvGrpSpPr/>
+        <p:nvPr/>
+      </p:nvGrpSpPr>
+      <p:grpSpPr>
+        <a:xfrm>
+          <a:off x="0" y="0"/>
+          <a:ext cx="0" cy="0"/>
+          <a:chOff x="0" y="0"/>
+          <a:chExt cx="0" cy="0"/>
+        </a:xfrm>
+      </p:grpSpPr>
+      <p:sp>
+        <p:nvSpPr>
+          <p:cNvPr id="2" name="Header Placeholder 1"/>
+          <p:cNvSpPr>
+            <a:spLocks noGrp="1"/>
+          </p:cNvSpPr>
+          <p:nvPr>
+            <p:ph type="hdr" sz="quarter"/>
+          </p:nvPr>
+        </p:nvSpPr>
+        <p:spPr>
+          <a:xfrm>
+            <a:off x="0" y="0"/>
+            <a:ext cx="2971800" cy="458788"/>
+          </a:xfrm>
+          <a:prstGeom prst="rect">
+            <a:avLst/>
+          </a:prstGeom>
+        </p:spPr>
+        <p:txBody>
+          <a:bodyPr vert="horz" lIns="91440" tIns="45720" rIns="91440" bIns="45720" rtlCol="0"/>
+          <a:lstStyle>
+            <a:lvl1pPr algn="l">
+              <a:defRPr sz="1200"/>
+            </a:lvl1pPr>
+          </a:lstStyle>
+          <a:p>
+            <a:endParaRPr lang="en-US"/>
+          </a:p>
+        </p:txBody>
+      </p:sp>
+      <p:sp>
+        <p:nvSpPr>
+          <p:cNvPr id="3" name="Date Placeholder 2"/>
+          <p:cNvSpPr>
+            <a:spLocks noGrp="1"/>
+          </p:cNvSpPr>
+          <p:nvPr>
+            <p:ph type="dt" idx="1"/>
+          </p:nvPr>
+        </p:nvSpPr>
+        <p:spPr>
+          <a:xfrm>
+            <a:off x="3884613" y="0"/>
+            <a:ext cx="2971800" cy="458788"/>
+          </a:xfrm>
+          <a:prstGeom prst="rect">
+            <a:avLst/>
+          </a:prstGeom>
+        </p:spPr>
+        <p:txBody>
+          <a:bodyPr vert="horz" lIns="91440" tIns="45720" rIns="91440" bIns="45720" rtlCol="0"/>
+          <a:lstStyle>
+            <a:lvl1pPr algn="r">
+              <a:defRPr sz="1200"/>
+            </a:lvl1pPr>
+          </a:lstStyle>
+          <a:p>
+            <a:fld id="{D22F12C5-B0A2-2543-BA8A-F3506620D6C2}" type="datetimeFigureOut">
+              <a:rPr lang="en-US" smtClean="0"/>
+              <a:t>2/14/17</a:t>
+            </a:fld>
+            <a:endParaRPr lang="en-US"/>
+          </a:p>
+        </p:txBody>
+      </p:sp>
+      <p:sp>
+        <p:nvSpPr>
+          <p:cNvPr id="4" name="Slide Image Placeholder 3"/>
+          <p:cNvSpPr>
+            <a:spLocks noGrp="1" noRot="1" noChangeAspect="1"/>
+          </p:cNvSpPr>
+          <p:nvPr>
+            <p:ph type="sldImg" idx="2"/>
+          </p:nvPr>
+        </p:nvSpPr>
+        <p:spPr>
+          <a:xfrm>
+            <a:off x="685800" y="1143000"/>
+            <a:ext cx="5486400" cy="3086100"/>
+          </a:xfrm>
+          <a:prstGeom prst="rect">
+            <a:avLst/>
+          </a:prstGeom>
+          <a:noFill/>
+          <a:ln w="12700">
+            <a:solidFill>
+              <a:prstClr val="black"/>
+            </a:solidFill>
+          </a:ln>
+        </p:spPr>
+        <p:txBody>
+          <a:bodyPr vert="horz" lIns="91440" tIns="45720" rIns="91440" bIns="45720" rtlCol="0" anchor="ctr"/>
+          <a:lstStyle/>
+          <a:p>
+            <a:endParaRPr lang="en-US"/>
+          </a:p>
+        </p:txBody>
+      </p:sp>
+      <p:sp>
+        <p:nvSpPr>
+          <p:cNvPr id="5" name="Notes Placeholder 4"/>
+          <p:cNvSpPr>
+            <a:spLocks noGrp="1"/>
+          </p:cNvSpPr>
+          <p:nvPr>
+            <p:ph type="body" sz="quarter" idx="3"/>
+          </p:nvPr>
+        </p:nvSpPr>
+        <p:spPr>
+          <a:xfrm>
+            <a:off x="685800" y="4400550"/>
+            <a:ext cx="5486400" cy="3600450"/>
+          </a:xfrm>
+          <a:prstGeom prst="rect">
+            <a:avLst/>
+          </a:prstGeom>
+        </p:spPr>
+        <p:txBody>
+          <a:bodyPr vert="horz" lIns="91440" tIns="45720" rIns="91440" bIns="45720" rtlCol="0"/>
+          <a:lstStyle/>
+          <a:p>
+            <a:pPr lvl="0"/>
+            <a:r>
+              <a:rPr lang="en-US" smtClean="0"/>
+              <a:t>Click to edit Master text styles</a:t>
+            </a:r>
+          </a:p>
+          <a:p>
+            <a:pPr lvl="1"/>
+            <a:r>
+              <a:rPr lang="en-US" smtClean="0"/>
+              <a:t>Second level</a:t>
+            </a:r>
+          </a:p>
+          <a:p>
+            <a:pPr lvl="2"/>
+            <a:r>
+              <a:rPr lang="en-US" smtClean="0"/>
+              <a:t>Third level</a:t>
+            </a:r>
+          </a:p>
+          <a:p>
+            <a:pPr lvl="3"/>
+            <a:r>
+              <a:rPr lang="en-US" smtClean="0"/>
+              <a:t>Fourth level</a:t>
+            </a:r>
+          </a:p>
+          <a:p>
+            <a:pPr lvl="4"/>
+            <a:r>
+              <a:rPr lang="en-US" smtClean="0"/>
+              <a:t>Fifth level</a:t>
+            </a:r>
+            <a:endParaRPr lang="en-US"/>
+          </a:p>
+        </p:txBody>
+      </p:sp>
+      <p:sp>
+        <p:nvSpPr>
+          <p:cNvPr id="6" name="Footer Placeholder 5"/>
+          <p:cNvSpPr>
+            <a:spLocks noGrp="1"/>
+          </p:cNvSpPr>
+          <p:nvPr>
+            <p:ph type="ftr" sz="quarter" idx="4"/>
+          </p:nvPr>
+        </p:nvSpPr>
+        <p:spPr>
+          <a:xfrm>
+            <a:off x="0" y="8685213"/>
+            <a:ext cx="2971800" cy="458787"/>
+          </a:xfrm>
+          <a:prstGeom prst="rect">
+            <a:avLst/>
+          </a:prstGeom>
+        </p:spPr>
+        <p:txBody>
+          <a:bodyPr vert="horz" lIns="91440" tIns="45720" rIns="91440" bIns="45720" rtlCol="0" anchor="b"/>
+          <a:lstStyle>
+            <a:lvl1pPr algn="l">
+              <a:defRPr sz="1200"/>
+            </a:lvl1pPr>
+          </a:lstStyle>
+          <a:p>
+            <a:endParaRPr lang="en-US"/>
+          </a:p>
+        </p:txBody>
+      </p:sp>
+      <p:sp>
+        <p:nvSpPr>
+          <p:cNvPr id="7" name="Slide Number Placeholder 6"/>
+          <p:cNvSpPr>
+            <a:spLocks noGrp="1"/>
+          </p:cNvSpPr>
+          <p:nvPr>
+            <p:ph type="sldNum" sz="quarter" idx="5"/>
+          </p:nvPr>
+        </p:nvSpPr>
+        <p:spPr>
+          <a:xfrm>
+            <a:off x="3884613" y="8685213"/>
+            <a:ext cx="2971800" cy="458787"/>
+          </a:xfrm>
+          <a:prstGeom prst="rect">
+            <a:avLst/>
+          </a:prstGeom>
+        </p:spPr>
+        <p:txBody>
+          <a:bodyPr vert="horz" lIns="91440" tIns="45720" rIns="91440" bIns="45720" rtlCol="0" anchor="b"/>
+          <a:lstStyle>
+            <a:lvl1pPr algn="r">
+              <a:defRPr sz="1200"/>
+            </a:lvl1pPr>
+          </a:lstStyle>
+          <a:p>
+            <a:fld id="{803543BD-1017-C547-996F-E7AA1EF8C18F}" type="slidenum">
+              <a:rPr lang="en-US" smtClean="0"/>
+              <a:t>‹#›</a:t>
+            </a:fld>
+            <a:endParaRPr lang="en-US"/>
+          </a:p>
+        </p:txBody>
+      </p:sp>
+    </p:spTree>
+    <p:extLst>
+      <p:ext uri="{BB962C8B-B14F-4D97-AF65-F5344CB8AC3E}">
+        <p14:creationId xmlns:p14="http://schemas.microsoft.com/office/powerpoint/2010/main" val="1750425287"/>
+      </p:ext>
+    </p:extLst>
+  </p:cSld>
+  <p:clrMap bg1="lt1" tx1="dk1" bg2="lt2" tx2="dk2" accent1="accent1" accent2="accent2" accent3="accent3" accent4="accent4" accent5="accent5" accent6="accent6" hlink="hlink" folHlink="folHlink"/>
+  <p:notesStyle>
+    <a:lvl1pPr marL="0" algn="l" defTabSz="914400" rtl="0" eaLnBrk="1" latinLnBrk="0" hangingPunct="1">
+      <a:defRPr sz="1200" kern="1200">
+        <a:solidFill>
+          <a:schemeClr val="tx1"/>
+        </a:solidFill>
+        <a:latin typeface="+mn-lt"/>
+        <a:ea typeface="+mn-ea"/>
+        <a:cs typeface="+mn-cs"/>
+      </a:defRPr>
+    </a:lvl1pPr>
+    <a:lvl2pPr marL="457200" algn="l" defTabSz="914400" rtl="0" eaLnBrk="1" latinLnBrk="0" hangingPunct="1">
+      <a:defRPr sz="1200" kern="1200">
+        <a:solidFill>
+          <a:schemeClr val="tx1"/>
+        </a:solidFill>
+        <a:latin typeface="+mn-lt"/>
+        <a:ea typeface="+mn-ea"/>
+        <a:cs typeface="+mn-cs"/>
+      </a:defRPr>
+    </a:lvl2pPr>
+    <a:lvl3pPr marL="914400" algn="l" defTabSz="914400" rtl="0" eaLnBrk="1" latinLnBrk="0" hangingPunct="1">
+      <a:defRPr sz="1200" kern="1200">
+        <a:solidFill>
+          <a:schemeClr val="tx1"/>
+        </a:solidFill>
+        <a:latin typeface="+mn-lt"/>
+        <a:ea typeface="+mn-ea"/>
+        <a:cs typeface="+mn-cs"/>
+      </a:defRPr>
+    </a:lvl3pPr>
+    <a:lvl4pPr marL="1371600" algn="l" defTabSz="914400" rtl="0" eaLnBrk="1" latinLnBrk="0" hangingPunct="1">
+      <a:defRPr sz="1200" kern="1200">
+        <a:solidFill>
+          <a:schemeClr val="tx1"/>
+        </a:solidFill>
+        <a:latin typeface="+mn-lt"/>
+        <a:ea typeface="+mn-ea"/>
+        <a:cs typeface="+mn-cs"/>
+      </a:defRPr>
+    </a:lvl4pPr>
+    <a:lvl5pPr marL="1828800" algn="l" defTabSz="914400" rtl="0" eaLnBrk="1" latinLnBrk="0" hangingPunct="1">
+      <a:defRPr sz="1200" kern="1200">
+        <a:solidFill>
+          <a:schemeClr val="tx1"/>
+        </a:solidFill>
+        <a:latin typeface="+mn-lt"/>
+        <a:ea typeface="+mn-ea"/>
+        <a:cs typeface="+mn-cs"/>
+      </a:defRPr>
+    </a:lvl5pPr>
+    <a:lvl6pPr marL="2286000" algn="l" defTabSz="914400" rtl="0" eaLnBrk="1" latinLnBrk="0" hangingPunct="1">
+      <a:defRPr sz="1200" kern="1200">
+        <a:solidFill>
+          <a:schemeClr val="tx1"/>
+        </a:solidFill>
+        <a:latin typeface="+mn-lt"/>
+        <a:ea typeface="+mn-ea"/>
+        <a:cs typeface="+mn-cs"/>
+      </a:defRPr>
+    </a:lvl6pPr>
+    <a:lvl7pPr marL="2743200" algn="l" defTabSz="914400" rtl="0" eaLnBrk="1" latinLnBrk="0" hangingPunct="1">
+      <a:defRPr sz="1200" kern="1200">
+        <a:solidFill>
+          <a:schemeClr val="tx1"/>
+        </a:solidFill>
+        <a:latin typeface="+mn-lt"/>
+        <a:ea typeface="+mn-ea"/>
+        <a:cs typeface="+mn-cs"/>
+      </a:defRPr>
+    </a:lvl7pPr>
+    <a:lvl8pPr marL="3200400" algn="l" defTabSz="914400" rtl="0" eaLnBrk="1" latinLnBrk="0" hangingPunct="1">
+      <a:defRPr sz="1200" kern="1200">
+        <a:solidFill>
+          <a:schemeClr val="tx1"/>
+        </a:solidFill>
+        <a:latin typeface="+mn-lt"/>
+        <a:ea typeface="+mn-ea"/>
+        <a:cs typeface="+mn-cs"/>
+      </a:defRPr>
+    </a:lvl8pPr>
+    <a:lvl9pPr marL="3657600" algn="l" defTabSz="914400" rtl="0" eaLnBrk="1" latinLnBrk="0" hangingPunct="1">
+      <a:defRPr sz="1200" kern="1200">
+        <a:solidFill>
+          <a:schemeClr val="tx1"/>
+        </a:solidFill>
+        <a:latin typeface="+mn-lt"/>
+        <a:ea typeface="+mn-ea"/>
+        <a:cs typeface="+mn-cs"/>
+      </a:defRPr>
+    </a:lvl9pPr>
+  </p:notesStyle>
+</p:notesMaster>
+</file>
+
+<file path=ppt/notesSlides/notesSlide1.xml><?xml version="1.0" encoding="utf-8"?>
+<p:notes xmlns:a="http://schemas.openxmlformats.org/drawingml/2006/main" xmlns:r="http://schemas.openxmlformats.org/officeDocument/2006/relationships" xmlns:p="http://schemas.openxmlformats.org/presentationml/2006/main">
+  <p:cSld>
+    <p:spTree>
+      <p:nvGrpSpPr>
+        <p:cNvPr id="1" name=""/>
+        <p:cNvGrpSpPr/>
+        <p:nvPr/>
+      </p:nvGrpSpPr>
+      <p:grpSpPr>
+        <a:xfrm>
+          <a:off x="0" y="0"/>
+          <a:ext cx="0" cy="0"/>
+          <a:chOff x="0" y="0"/>
+          <a:chExt cx="0" cy="0"/>
+        </a:xfrm>
+      </p:grpSpPr>
+      <p:sp>
+        <p:nvSpPr>
+          <p:cNvPr id="2" name="Slide Image Placeholder 1"/>
+          <p:cNvSpPr>
+            <a:spLocks noGrp="1" noRot="1" noChangeAspect="1"/>
+          </p:cNvSpPr>
+          <p:nvPr>
+            <p:ph type="sldImg"/>
+          </p:nvPr>
+        </p:nvSpPr>
+        <p:spPr/>
+      </p:sp>
+      <p:sp>
+        <p:nvSpPr>
+          <p:cNvPr id="3" name="Notes Placeholder 2"/>
+          <p:cNvSpPr>
+            <a:spLocks noGrp="1"/>
+          </p:cNvSpPr>
+          <p:nvPr>
+            <p:ph type="body" idx="1"/>
+          </p:nvPr>
+        </p:nvSpPr>
+        <p:spPr/>
+        <p:txBody>
+          <a:bodyPr/>
+          <a:lstStyle/>
+          <a:p>
+            <a:endParaRPr lang="en-US"/>
+          </a:p>
+        </p:txBody>
+      </p:sp>
+      <p:sp>
+        <p:nvSpPr>
+          <p:cNvPr id="4" name="Slide Number Placeholder 3"/>
+          <p:cNvSpPr>
+            <a:spLocks noGrp="1"/>
+          </p:cNvSpPr>
+          <p:nvPr>
+            <p:ph type="sldNum" sz="quarter" idx="10"/>
+          </p:nvPr>
+        </p:nvSpPr>
+        <p:spPr/>
+        <p:txBody>
+          <a:bodyPr/>
+          <a:lstStyle/>
+          <a:p>
+            <a:fld id="{803543BD-1017-C547-996F-E7AA1EF8C18F}" type="slidenum">
+              <a:rPr lang="en-US" smtClean="0"/>
+              <a:t>2</a:t>
+            </a:fld>
+            <a:endParaRPr lang="en-US"/>
+          </a:p>
+        </p:txBody>
+      </p:sp>
+    </p:spTree>
+    <p:extLst>
+      <p:ext uri="{BB962C8B-B14F-4D97-AF65-F5344CB8AC3E}">
+        <p14:creationId xmlns:p14="http://schemas.microsoft.com/office/powerpoint/2010/main" val="1019318356"/>
+      </p:ext>
+    </p:extLst>
+  </p:cSld>
+  <p:clrMapOvr>
+    <a:masterClrMapping/>
+  </p:clrMapOvr>
+</p:notes>
 </file>
 
 <file path=ppt/slideLayouts/slideLayout1.xml><?xml version="1.0" encoding="utf-8"?>
@@ -283,7 +726,7 @@
           <a:bodyPr/>
           <a:lstStyle/>
           <a:p>
-            <a:fld id="{48A87A34-81AB-432B-8DAE-1953F412C126}" type="datetimeFigureOut">
+            <a:fld id="{E083082A-3B9B-D243-8FB5-969FA724D1DB}" type="datetime1">
               <a:rPr lang="en-US" smtClean="0"/>
               <a:t>2/14/17</a:t>
             </a:fld>
@@ -550,7 +993,7 @@
           <a:bodyPr/>
           <a:lstStyle/>
           <a:p>
-            <a:fld id="{48A87A34-81AB-432B-8DAE-1953F412C126}" type="datetimeFigureOut">
+            <a:fld id="{9DF33F9F-463E-0B43-8E39-88162028AD52}" type="datetime1">
               <a:rPr lang="en-US" smtClean="0"/>
               <a:t>2/14/17</a:t>
             </a:fld>
@@ -781,9 +1224,8 @@
             </a:lvl1pPr>
           </a:lstStyle>
           <a:p>
-            <a:fld id="{48A87A34-81AB-432B-8DAE-1953F412C126}" type="datetimeFigureOut">
-              <a:rPr lang="en-US" smtClean="0"/>
-              <a:pPr/>
+            <a:fld id="{B0E96D50-1FF2-7941-A63F-37CA03B6E525}" type="datetime1">
+              <a:rPr lang="en-US" smtClean="0"/>
               <a:t>2/14/17</a:t>
             </a:fld>
             <a:endParaRPr lang="en-US" dirty="0"/>
@@ -1092,9 +1534,8 @@
             </a:lvl1pPr>
           </a:lstStyle>
           <a:p>
-            <a:fld id="{48A87A34-81AB-432B-8DAE-1953F412C126}" type="datetimeFigureOut">
-              <a:rPr lang="en-US" smtClean="0"/>
-              <a:pPr/>
+            <a:fld id="{57BEDCC2-DD43-7B42-BA7E-E8A9D6D4C65B}" type="datetime1">
+              <a:rPr lang="en-US" smtClean="0"/>
               <a:t>2/14/17</a:t>
             </a:fld>
             <a:endParaRPr lang="en-US" dirty="0"/>
@@ -1566,9 +2007,8 @@
             </a:lvl1pPr>
           </a:lstStyle>
           <a:p>
-            <a:fld id="{48A87A34-81AB-432B-8DAE-1953F412C126}" type="datetimeFigureOut">
-              <a:rPr lang="en-US" smtClean="0"/>
-              <a:pPr/>
+            <a:fld id="{94992840-3AFE-7C48-AE3D-A3164BB38509}" type="datetime1">
+              <a:rPr lang="en-US" smtClean="0"/>
               <a:t>2/14/17</a:t>
             </a:fld>
             <a:endParaRPr lang="en-US" dirty="0"/>
@@ -2114,7 +2554,7 @@
           <a:bodyPr/>
           <a:lstStyle/>
           <a:p>
-            <a:fld id="{48A87A34-81AB-432B-8DAE-1953F412C126}" type="datetimeFigureOut">
+            <a:fld id="{41C45737-22CF-7949-AC6C-A40B65D386BB}" type="datetime1">
               <a:rPr lang="en-US" smtClean="0"/>
               <a:t>2/14/17</a:t>
             </a:fld>
@@ -2888,7 +3328,7 @@
           <a:bodyPr/>
           <a:lstStyle/>
           <a:p>
-            <a:fld id="{48A87A34-81AB-432B-8DAE-1953F412C126}" type="datetimeFigureOut">
+            <a:fld id="{701F9DCE-63FF-D048-B8E3-DD85CE7B85C7}" type="datetime1">
               <a:rPr lang="en-US" smtClean="0"/>
               <a:t>2/14/17</a:t>
             </a:fld>
@@ -3063,7 +3503,7 @@
           <a:bodyPr/>
           <a:lstStyle/>
           <a:p>
-            <a:fld id="{48A87A34-81AB-432B-8DAE-1953F412C126}" type="datetimeFigureOut">
+            <a:fld id="{0DF783CD-C613-AC4B-99B8-05EC6A04AEBF}" type="datetime1">
               <a:rPr lang="en-US" smtClean="0"/>
               <a:t>2/14/17</a:t>
             </a:fld>
@@ -3286,9 +3726,8 @@
             </a:lvl1pPr>
           </a:lstStyle>
           <a:p>
-            <a:fld id="{48A87A34-81AB-432B-8DAE-1953F412C126}" type="datetimeFigureOut">
-              <a:rPr lang="en-US" smtClean="0"/>
-              <a:pPr/>
+            <a:fld id="{EBB4575D-6779-DD49-9DF2-8F2C0A84BA7A}" type="datetime1">
+              <a:rPr lang="en-US" smtClean="0"/>
               <a:t>2/14/17</a:t>
             </a:fld>
             <a:endParaRPr lang="en-US" dirty="0"/>
@@ -3467,7 +3906,7 @@
           <a:bodyPr/>
           <a:lstStyle/>
           <a:p>
-            <a:fld id="{48A87A34-81AB-432B-8DAE-1953F412C126}" type="datetimeFigureOut">
+            <a:fld id="{A944584C-32EF-7B48-8F9C-B151E303B58C}" type="datetime1">
               <a:rPr lang="en-US" smtClean="0"/>
               <a:t>2/14/17</a:t>
             </a:fld>
@@ -3756,9 +4195,8 @@
             </a:lvl1pPr>
           </a:lstStyle>
           <a:p>
-            <a:fld id="{48A87A34-81AB-432B-8DAE-1953F412C126}" type="datetimeFigureOut">
-              <a:rPr lang="en-US" smtClean="0"/>
-              <a:pPr/>
+            <a:fld id="{6C721A04-B858-E94E-BF11-B87E74544A69}" type="datetime1">
+              <a:rPr lang="en-US" smtClean="0"/>
               <a:t>2/14/17</a:t>
             </a:fld>
             <a:endParaRPr lang="en-US" dirty="0"/>
@@ -3999,7 +4437,7 @@
           <a:bodyPr/>
           <a:lstStyle/>
           <a:p>
-            <a:fld id="{48A87A34-81AB-432B-8DAE-1953F412C126}" type="datetimeFigureOut">
+            <a:fld id="{9A86E3F3-2CE5-7141-8799-51DB557CF39A}" type="datetime1">
               <a:rPr lang="en-US" smtClean="0"/>
               <a:t>2/14/17</a:t>
             </a:fld>
@@ -4378,7 +4816,7 @@
           <a:bodyPr/>
           <a:lstStyle/>
           <a:p>
-            <a:fld id="{48A87A34-81AB-432B-8DAE-1953F412C126}" type="datetimeFigureOut">
+            <a:fld id="{DDDCF3A7-DCE8-5341-ABD1-DD58EF7FC6F2}" type="datetime1">
               <a:rPr lang="en-US" smtClean="0"/>
               <a:t>2/14/17</a:t>
             </a:fld>
@@ -4496,7 +4934,7 @@
           <a:bodyPr/>
           <a:lstStyle/>
           <a:p>
-            <a:fld id="{48A87A34-81AB-432B-8DAE-1953F412C126}" type="datetimeFigureOut">
+            <a:fld id="{BC89C450-D8AB-B140-96CD-47F62801FEBA}" type="datetime1">
               <a:rPr lang="en-US" smtClean="0"/>
               <a:t>2/14/17</a:t>
             </a:fld>
@@ -4591,7 +5029,7 @@
           <a:bodyPr/>
           <a:lstStyle/>
           <a:p>
-            <a:fld id="{48A87A34-81AB-432B-8DAE-1953F412C126}" type="datetimeFigureOut">
+            <a:fld id="{98C98408-576F-A64A-BA14-C60D10F3C9EC}" type="datetime1">
               <a:rPr lang="en-US" smtClean="0"/>
               <a:t>2/14/17</a:t>
             </a:fld>
@@ -4840,7 +5278,7 @@
           <a:bodyPr/>
           <a:lstStyle/>
           <a:p>
-            <a:fld id="{48A87A34-81AB-432B-8DAE-1953F412C126}" type="datetimeFigureOut">
+            <a:fld id="{5E3EC08C-4EB5-104F-BAE7-AB5F1AD23448}" type="datetime1">
               <a:rPr lang="en-US" smtClean="0"/>
               <a:t>2/14/17</a:t>
             </a:fld>
@@ -5097,7 +5535,7 @@
           <a:bodyPr/>
           <a:lstStyle/>
           <a:p>
-            <a:fld id="{48A87A34-81AB-432B-8DAE-1953F412C126}" type="datetimeFigureOut">
+            <a:fld id="{EEDF3BC4-54B9-EF4B-A672-7ACBE7ECDAFB}" type="datetime1">
               <a:rPr lang="en-US" smtClean="0"/>
               <a:t>2/14/17</a:t>
             </a:fld>
@@ -5340,9 +5778,8 @@
             </a:lvl1pPr>
           </a:lstStyle>
           <a:p>
-            <a:fld id="{48A87A34-81AB-432B-8DAE-1953F412C126}" type="datetimeFigureOut">
-              <a:rPr lang="en-US" smtClean="0"/>
-              <a:pPr/>
+            <a:fld id="{99519098-231D-0049-9993-3A45FE03FB47}" type="datetime1">
+              <a:rPr lang="en-US" smtClean="0"/>
               <a:t>2/14/17</a:t>
             </a:fld>
             <a:endParaRPr lang="en-US" dirty="0"/>
@@ -5455,6 +5892,7 @@
     <p:sldLayoutId id="2147483757" r:id="rId16"/>
     <p:sldLayoutId id="2147483758" r:id="rId17"/>
   </p:sldLayoutIdLst>
+  <p:hf hdr="0" ftr="0" dt="0"/>
   <p:txStyles>
     <p:titleStyle>
       <a:lvl1pPr algn="r" defTabSz="914400" rtl="0" eaLnBrk="1" latinLnBrk="0" hangingPunct="1">
@@ -5844,6 +6282,294 @@
 </p:sld>
 </file>
 
+<file path=ppt/slides/slide10.xml><?xml version="1.0" encoding="utf-8"?>
+<p:sld xmlns:a="http://schemas.openxmlformats.org/drawingml/2006/main" xmlns:r="http://schemas.openxmlformats.org/officeDocument/2006/relationships" xmlns:p="http://schemas.openxmlformats.org/presentationml/2006/main">
+  <p:cSld>
+    <p:spTree>
+      <p:nvGrpSpPr>
+        <p:cNvPr id="1" name=""/>
+        <p:cNvGrpSpPr/>
+        <p:nvPr/>
+      </p:nvGrpSpPr>
+      <p:grpSpPr>
+        <a:xfrm>
+          <a:off x="0" y="0"/>
+          <a:ext cx="0" cy="0"/>
+          <a:chOff x="0" y="0"/>
+          <a:chExt cx="0" cy="0"/>
+        </a:xfrm>
+      </p:grpSpPr>
+      <p:sp>
+        <p:nvSpPr>
+          <p:cNvPr id="2" name="Title 1"/>
+          <p:cNvSpPr>
+            <a:spLocks noGrp="1"/>
+          </p:cNvSpPr>
+          <p:nvPr>
+            <p:ph type="title"/>
+          </p:nvPr>
+        </p:nvSpPr>
+        <p:spPr/>
+        <p:txBody>
+          <a:bodyPr/>
+          <a:lstStyle/>
+          <a:p>
+            <a:r>
+              <a:rPr lang="en-US" dirty="0" smtClean="0"/>
+              <a:t>Control flow(loop, IF ELSE) &amp; Matrix definition</a:t>
+            </a:r>
+            <a:endParaRPr lang="en-US" dirty="0"/>
+          </a:p>
+        </p:txBody>
+      </p:sp>
+      <p:sp>
+        <p:nvSpPr>
+          <p:cNvPr id="3" name="Content Placeholder 2"/>
+          <p:cNvSpPr>
+            <a:spLocks noGrp="1"/>
+          </p:cNvSpPr>
+          <p:nvPr>
+            <p:ph idx="1"/>
+          </p:nvPr>
+        </p:nvSpPr>
+        <p:spPr/>
+        <p:txBody>
+          <a:bodyPr>
+            <a:normAutofit fontScale="92500" lnSpcReduction="20000"/>
+          </a:bodyPr>
+          <a:lstStyle/>
+          <a:p>
+            <a:r>
+              <a:rPr lang="en-US" dirty="0" smtClean="0"/>
+              <a:t>for </a:t>
+            </a:r>
+            <a:r>
+              <a:rPr lang="en-US" dirty="0"/>
+              <a:t>loop </a:t>
+            </a:r>
+            <a:r>
+              <a:rPr lang="en-US" dirty="0" smtClean="0"/>
+              <a:t>:</a:t>
+            </a:r>
+          </a:p>
+          <a:p>
+            <a:pPr marL="457200" lvl="1" indent="0">
+              <a:buNone/>
+            </a:pPr>
+            <a:r>
+              <a:rPr lang="en-US" i="1" dirty="0"/>
+              <a:t>f</a:t>
+            </a:r>
+            <a:r>
+              <a:rPr lang="en-US" i="1" dirty="0" smtClean="0"/>
+              <a:t>or </a:t>
+            </a:r>
+            <a:r>
+              <a:rPr lang="en-US" i="1" dirty="0" err="1" smtClean="0"/>
+              <a:t>i</a:t>
+            </a:r>
+            <a:r>
+              <a:rPr lang="en-US" i="1" dirty="0" smtClean="0"/>
+              <a:t>=1:n or </a:t>
+            </a:r>
+            <a:r>
+              <a:rPr lang="en-US" i="1" dirty="0" err="1" smtClean="0"/>
+              <a:t>linspace</a:t>
+            </a:r>
+            <a:r>
+              <a:rPr lang="en-US" i="1" dirty="0" smtClean="0"/>
+              <a:t>(1,n,n)</a:t>
+            </a:r>
+          </a:p>
+          <a:p>
+            <a:pPr marL="457200" lvl="1" indent="0">
+              <a:buNone/>
+            </a:pPr>
+            <a:r>
+              <a:rPr lang="en-US" i="1" dirty="0"/>
+              <a:t>	</a:t>
+            </a:r>
+            <a:r>
+              <a:rPr lang="en-US" i="1" dirty="0" smtClean="0"/>
+              <a:t>do something on I</a:t>
+            </a:r>
+          </a:p>
+          <a:p>
+            <a:pPr marL="457200" lvl="1" indent="0">
+              <a:buNone/>
+            </a:pPr>
+            <a:r>
+              <a:rPr lang="en-US" i="1" dirty="0" smtClean="0"/>
+              <a:t>end</a:t>
+            </a:r>
+          </a:p>
+          <a:p>
+            <a:r>
+              <a:rPr lang="en-US" dirty="0" smtClean="0"/>
+              <a:t>if-</a:t>
+            </a:r>
+            <a:r>
+              <a:rPr lang="en-US" dirty="0" err="1" smtClean="0"/>
+              <a:t>elseif</a:t>
+            </a:r>
+            <a:r>
+              <a:rPr lang="en-US" dirty="0" smtClean="0"/>
+              <a:t> – else</a:t>
+            </a:r>
+          </a:p>
+          <a:p>
+            <a:pPr marL="457200" lvl="1" indent="0">
+              <a:buNone/>
+            </a:pPr>
+            <a:r>
+              <a:rPr lang="en-US" i="1" dirty="0"/>
+              <a:t>i</a:t>
+            </a:r>
+            <a:r>
+              <a:rPr lang="en-US" i="1" dirty="0" smtClean="0"/>
+              <a:t>f condition 1</a:t>
+            </a:r>
+          </a:p>
+          <a:p>
+            <a:pPr marL="457200" lvl="1" indent="0">
+              <a:buNone/>
+            </a:pPr>
+            <a:r>
+              <a:rPr lang="en-US" i="1" dirty="0"/>
+              <a:t>	</a:t>
+            </a:r>
+            <a:r>
+              <a:rPr lang="en-US" i="1" dirty="0" smtClean="0"/>
+              <a:t>do something 1</a:t>
+            </a:r>
+          </a:p>
+          <a:p>
+            <a:pPr marL="457200" lvl="1" indent="0">
+              <a:buNone/>
+            </a:pPr>
+            <a:r>
+              <a:rPr lang="en-US" i="1" dirty="0" err="1"/>
+              <a:t>e</a:t>
+            </a:r>
+            <a:r>
+              <a:rPr lang="en-US" i="1" dirty="0" err="1" smtClean="0"/>
+              <a:t>lseif</a:t>
+            </a:r>
+            <a:r>
+              <a:rPr lang="en-US" i="1" dirty="0" smtClean="0"/>
+              <a:t> condition 2</a:t>
+            </a:r>
+          </a:p>
+          <a:p>
+            <a:pPr marL="457200" lvl="1" indent="0">
+              <a:buNone/>
+            </a:pPr>
+            <a:r>
+              <a:rPr lang="en-US" i="1" dirty="0"/>
+              <a:t>	</a:t>
+            </a:r>
+            <a:r>
+              <a:rPr lang="en-US" i="1" dirty="0" smtClean="0"/>
+              <a:t>do something 2</a:t>
+            </a:r>
+          </a:p>
+          <a:p>
+            <a:pPr marL="457200" lvl="1" indent="0">
+              <a:buNone/>
+            </a:pPr>
+            <a:r>
+              <a:rPr lang="en-US" i="1" dirty="0"/>
+              <a:t>e</a:t>
+            </a:r>
+            <a:r>
+              <a:rPr lang="en-US" i="1" dirty="0" smtClean="0"/>
+              <a:t>lse</a:t>
+            </a:r>
+          </a:p>
+          <a:p>
+            <a:pPr marL="457200" lvl="1" indent="0">
+              <a:buNone/>
+            </a:pPr>
+            <a:r>
+              <a:rPr lang="en-US" i="1" dirty="0"/>
+              <a:t>	</a:t>
+            </a:r>
+            <a:r>
+              <a:rPr lang="en-US" i="1" dirty="0" smtClean="0"/>
+              <a:t>do something 3</a:t>
+            </a:r>
+          </a:p>
+          <a:p>
+            <a:pPr marL="457200" lvl="1" indent="0">
+              <a:buNone/>
+            </a:pPr>
+            <a:r>
+              <a:rPr lang="en-US" i="1" dirty="0" smtClean="0"/>
+              <a:t>end</a:t>
+            </a:r>
+          </a:p>
+          <a:p>
+            <a:pPr marL="457200" lvl="1" indent="0">
+              <a:buNone/>
+            </a:pPr>
+            <a:endParaRPr lang="en-US" dirty="0"/>
+          </a:p>
+          <a:p>
+            <a:r>
+              <a:rPr lang="en-US" dirty="0" smtClean="0"/>
+              <a:t>Example: define matrix using for loop and if-</a:t>
+            </a:r>
+            <a:r>
+              <a:rPr lang="en-US" dirty="0" err="1" smtClean="0"/>
+              <a:t>elseif</a:t>
+            </a:r>
+            <a:r>
+              <a:rPr lang="en-US" dirty="0" smtClean="0"/>
+              <a:t>-else</a:t>
+            </a:r>
+            <a:endParaRPr lang="en-US" dirty="0"/>
+          </a:p>
+          <a:p>
+            <a:endParaRPr lang="en-US" dirty="0"/>
+          </a:p>
+        </p:txBody>
+      </p:sp>
+      <p:sp>
+        <p:nvSpPr>
+          <p:cNvPr id="4" name="Slide Number Placeholder 3"/>
+          <p:cNvSpPr>
+            <a:spLocks noGrp="1"/>
+          </p:cNvSpPr>
+          <p:nvPr>
+            <p:ph type="sldNum" sz="quarter" idx="12"/>
+          </p:nvPr>
+        </p:nvSpPr>
+        <p:spPr/>
+        <p:txBody>
+          <a:bodyPr/>
+          <a:lstStyle/>
+          <a:p>
+            <a:fld id="{6D22F896-40B5-4ADD-8801-0D06FADFA095}" type="slidenum">
+              <a:rPr lang="en-US" smtClean="0"/>
+              <a:t>10</a:t>
+            </a:fld>
+            <a:endParaRPr lang="en-US" dirty="0"/>
+          </a:p>
+        </p:txBody>
+      </p:sp>
+    </p:spTree>
+    <p:extLst>
+      <p:ext uri="{BB962C8B-B14F-4D97-AF65-F5344CB8AC3E}">
+        <p14:creationId xmlns:p14="http://schemas.microsoft.com/office/powerpoint/2010/main" val="712200428"/>
+      </p:ext>
+    </p:extLst>
+  </p:cSld>
+  <p:clrMapOvr>
+    <a:masterClrMapping/>
+  </p:clrMapOvr>
+</p:sld>
+</file>
+
 <file path=ppt/slides/slide2.xml><?xml version="1.0" encoding="utf-8"?>
 <p:sld xmlns:a="http://schemas.openxmlformats.org/drawingml/2006/main" xmlns:r="http://schemas.openxmlformats.org/officeDocument/2006/relationships" xmlns:p="http://schemas.openxmlformats.org/presentationml/2006/main">
   <p:cSld>
@@ -5954,7 +6680,6 @@
               <a:rPr lang="en-US" sz="2400" dirty="0"/>
               <a:t>of a circle &amp; volume of a sphere </a:t>
             </a:r>
-            <a:endParaRPr lang="en-US" sz="2400" dirty="0"/>
           </a:p>
           <a:p>
             <a:pPr lvl="1"/>
@@ -5999,17 +6724,36 @@
             </a:r>
             <a:r>
               <a:rPr lang="en-US" sz="2400" dirty="0"/>
-              <a:t>Flow</a:t>
-            </a:r>
-            <a:r>
-              <a:rPr lang="en-US" sz="2400" dirty="0"/>
-              <a:t> </a:t>
+              <a:t>Flow </a:t>
             </a:r>
             <a:r>
               <a:rPr lang="en-US" sz="2400" dirty="0" smtClean="0"/>
               <a:t>– Loop, If Else</a:t>
             </a:r>
             <a:endParaRPr lang="en-US" sz="2400" dirty="0"/>
+          </a:p>
+        </p:txBody>
+      </p:sp>
+      <p:sp>
+        <p:nvSpPr>
+          <p:cNvPr id="4" name="Slide Number Placeholder 3"/>
+          <p:cNvSpPr>
+            <a:spLocks noGrp="1"/>
+          </p:cNvSpPr>
+          <p:nvPr>
+            <p:ph type="sldNum" sz="quarter" idx="12"/>
+          </p:nvPr>
+        </p:nvSpPr>
+        <p:spPr/>
+        <p:txBody>
+          <a:bodyPr/>
+          <a:lstStyle/>
+          <a:p>
+            <a:fld id="{6D22F896-40B5-4ADD-8801-0D06FADFA095}" type="slidenum">
+              <a:rPr lang="en-US" smtClean="0"/>
+              <a:t>2</a:t>
+            </a:fld>
+            <a:endParaRPr lang="en-US" dirty="0"/>
           </a:p>
         </p:txBody>
       </p:sp>
@@ -6177,6 +6921,29 @@
           </a:p>
         </p:txBody>
       </p:sp>
+      <p:sp>
+        <p:nvSpPr>
+          <p:cNvPr id="4" name="Slide Number Placeholder 3"/>
+          <p:cNvSpPr>
+            <a:spLocks noGrp="1"/>
+          </p:cNvSpPr>
+          <p:nvPr>
+            <p:ph type="sldNum" sz="quarter" idx="12"/>
+          </p:nvPr>
+        </p:nvSpPr>
+        <p:spPr/>
+        <p:txBody>
+          <a:bodyPr/>
+          <a:lstStyle/>
+          <a:p>
+            <a:fld id="{6D22F896-40B5-4ADD-8801-0D06FADFA095}" type="slidenum">
+              <a:rPr lang="en-US" smtClean="0"/>
+              <a:t>3</a:t>
+            </a:fld>
+            <a:endParaRPr lang="en-US" dirty="0"/>
+          </a:p>
+        </p:txBody>
+      </p:sp>
     </p:spTree>
     <p:extLst>
       <p:ext uri="{BB962C8B-B14F-4D97-AF65-F5344CB8AC3E}">
@@ -6418,6 +7185,29 @@
           </a:p>
         </p:txBody>
       </p:sp>
+      <p:sp>
+        <p:nvSpPr>
+          <p:cNvPr id="4" name="Slide Number Placeholder 3"/>
+          <p:cNvSpPr>
+            <a:spLocks noGrp="1"/>
+          </p:cNvSpPr>
+          <p:nvPr>
+            <p:ph type="sldNum" sz="quarter" idx="12"/>
+          </p:nvPr>
+        </p:nvSpPr>
+        <p:spPr/>
+        <p:txBody>
+          <a:bodyPr/>
+          <a:lstStyle/>
+          <a:p>
+            <a:fld id="{6D22F896-40B5-4ADD-8801-0D06FADFA095}" type="slidenum">
+              <a:rPr lang="en-US" smtClean="0"/>
+              <a:t>4</a:t>
+            </a:fld>
+            <a:endParaRPr lang="en-US" dirty="0"/>
+          </a:p>
+        </p:txBody>
+      </p:sp>
     </p:spTree>
     <p:extLst>
       <p:ext uri="{BB962C8B-B14F-4D97-AF65-F5344CB8AC3E}">
@@ -6562,6 +7352,29 @@
           </a:p>
         </p:txBody>
       </p:sp>
+      <p:sp>
+        <p:nvSpPr>
+          <p:cNvPr id="2" name="Slide Number Placeholder 1"/>
+          <p:cNvSpPr>
+            <a:spLocks noGrp="1"/>
+          </p:cNvSpPr>
+          <p:nvPr>
+            <p:ph type="sldNum" sz="quarter" idx="12"/>
+          </p:nvPr>
+        </p:nvSpPr>
+        <p:spPr/>
+        <p:txBody>
+          <a:bodyPr/>
+          <a:lstStyle/>
+          <a:p>
+            <a:fld id="{6D22F896-40B5-4ADD-8801-0D06FADFA095}" type="slidenum">
+              <a:rPr lang="en-US" smtClean="0"/>
+              <a:t>5</a:t>
+            </a:fld>
+            <a:endParaRPr lang="en-US" dirty="0"/>
+          </a:p>
+        </p:txBody>
+      </p:sp>
     </p:spTree>
     <p:extLst>
       <p:ext uri="{BB962C8B-B14F-4D97-AF65-F5344CB8AC3E}">
@@ -6613,10 +7426,6 @@
               <a:rPr lang="en-US"/>
               <a:t>Example: Area of a circle &amp; volume of a sphere (functions) </a:t>
             </a:r>
-            <a:r>
-              <a:rPr lang="en-US"/>
-              <a:t/>
-            </a:r>
             <a:br>
               <a:rPr lang="en-US"/>
             </a:br>
@@ -6735,6 +7544,29 @@
             <a:endParaRPr lang="en-US" dirty="0"/>
           </a:p>
           <a:p>
+            <a:endParaRPr lang="en-US" dirty="0"/>
+          </a:p>
+        </p:txBody>
+      </p:sp>
+      <p:sp>
+        <p:nvSpPr>
+          <p:cNvPr id="4" name="Slide Number Placeholder 3"/>
+          <p:cNvSpPr>
+            <a:spLocks noGrp="1"/>
+          </p:cNvSpPr>
+          <p:nvPr>
+            <p:ph type="sldNum" sz="quarter" idx="12"/>
+          </p:nvPr>
+        </p:nvSpPr>
+        <p:spPr/>
+        <p:txBody>
+          <a:bodyPr/>
+          <a:lstStyle/>
+          <a:p>
+            <a:fld id="{6D22F896-40B5-4ADD-8801-0D06FADFA095}" type="slidenum">
+              <a:rPr lang="en-US" smtClean="0"/>
+              <a:t>6</a:t>
+            </a:fld>
             <a:endParaRPr lang="en-US" dirty="0"/>
           </a:p>
         </p:txBody>
@@ -6790,10 +7622,6 @@
               <a:rPr lang="en-US"/>
               <a:t>Example: Fahrenheit/Celsius (functions) </a:t>
             </a:r>
-            <a:r>
-              <a:rPr lang="en-US"/>
-              <a:t/>
-            </a:r>
             <a:br>
               <a:rPr lang="en-US"/>
             </a:br>
@@ -6801,8 +7629,8 @@
           </a:p>
         </p:txBody>
       </p:sp>
-      <mc:AlternateContent xmlns:mc="http://schemas.openxmlformats.org/markup-compatibility/2006">
-        <mc:Choice xmlns:a14="http://schemas.microsoft.com/office/drawing/2010/main" Requires="a14">
+      <mc:AlternateContent xmlns:mc="http://schemas.openxmlformats.org/markup-compatibility/2006" xmlns:a14="http://schemas.microsoft.com/office/drawing/2010/main">
+        <mc:Choice Requires="a14">
           <p:sp>
             <p:nvSpPr>
               <p:cNvPr id="3" name="Content Placeholder 2"/>
@@ -6825,18 +7653,24 @@
                     <m:sSub>
                       <m:sSubPr>
                         <m:ctrlPr>
-                          <a:rPr lang="en-US" i="1"/>
+                          <a:rPr lang="en-US" i="1">
+                            <a:latin typeface="Cambria Math" charset="0"/>
+                          </a:rPr>
                         </m:ctrlPr>
                       </m:sSubPr>
                       <m:e>
                         <m:r>
-                          <a:rPr lang="en-US" i="1"/>
+                          <a:rPr lang="en-US" i="1">
+                            <a:latin typeface="Cambria Math" charset="0"/>
+                          </a:rPr>
                           <m:t>𝑇</m:t>
                         </m:r>
                       </m:e>
                       <m:sub>
                         <m:r>
-                          <a:rPr lang="en-US" i="1"/>
+                          <a:rPr lang="en-US" i="1">
+                            <a:latin typeface="Cambria Math" charset="0"/>
+                          </a:rPr>
                           <m:t>𝐹</m:t>
                         </m:r>
                       </m:sub>
@@ -6844,25 +7678,33 @@
                     <m:d>
                       <m:dPr>
                         <m:ctrlPr>
-                          <a:rPr lang="en-US" i="1"/>
+                          <a:rPr lang="en-US" i="1">
+                            <a:latin typeface="Cambria Math" charset="0"/>
+                          </a:rPr>
                         </m:ctrlPr>
                       </m:dPr>
                       <m:e>
                         <m:sSub>
                           <m:sSubPr>
                             <m:ctrlPr>
-                              <a:rPr lang="en-US" i="1"/>
+                              <a:rPr lang="en-US" i="1">
+                                <a:latin typeface="Cambria Math" charset="0"/>
+                              </a:rPr>
                             </m:ctrlPr>
                           </m:sSubPr>
                           <m:e>
                             <m:r>
-                              <a:rPr lang="en-US" i="1"/>
+                              <a:rPr lang="en-US" i="1">
+                                <a:latin typeface="Cambria Math" charset="0"/>
+                              </a:rPr>
                               <m:t>𝑇</m:t>
                             </m:r>
                           </m:e>
                           <m:sub>
                             <m:r>
-                              <a:rPr lang="en-US" i="1"/>
+                              <a:rPr lang="en-US" i="1">
+                                <a:latin typeface="Cambria Math" charset="0"/>
+                              </a:rPr>
                               <m:t>𝐶</m:t>
                             </m:r>
                           </m:sub>
@@ -6870,24 +7712,32 @@
                       </m:e>
                     </m:d>
                     <m:r>
-                      <a:rPr lang="en-US" i="1"/>
+                      <a:rPr lang="en-US" i="1">
+                        <a:latin typeface="Cambria Math" charset="0"/>
+                      </a:rPr>
                       <m:t>=</m:t>
                     </m:r>
                     <m:sSub>
                       <m:sSubPr>
                         <m:ctrlPr>
-                          <a:rPr lang="en-US" i="1"/>
+                          <a:rPr lang="en-US" i="1">
+                            <a:latin typeface="Cambria Math" charset="0"/>
+                          </a:rPr>
                         </m:ctrlPr>
                       </m:sSubPr>
                       <m:e>
                         <m:r>
-                          <a:rPr lang="en-US" i="1"/>
+                          <a:rPr lang="en-US" i="1">
+                            <a:latin typeface="Cambria Math" charset="0"/>
+                          </a:rPr>
                           <m:t>𝑇</m:t>
                         </m:r>
                       </m:e>
                       <m:sub>
                         <m:r>
-                          <a:rPr lang="en-US" i="1"/>
+                          <a:rPr lang="en-US" i="1">
+                            <a:latin typeface="Cambria Math" charset="0"/>
+                          </a:rPr>
                           <m:t>𝐶</m:t>
                         </m:r>
                       </m:sub>
@@ -6895,24 +7745,32 @@
                     <m:f>
                       <m:fPr>
                         <m:ctrlPr>
-                          <a:rPr lang="en-US" i="1"/>
+                          <a:rPr lang="en-US" i="1">
+                            <a:latin typeface="Cambria Math" charset="0"/>
+                          </a:rPr>
                         </m:ctrlPr>
                       </m:fPr>
                       <m:num>
                         <m:r>
-                          <a:rPr lang="en-US" i="1"/>
+                          <a:rPr lang="en-US" i="1">
+                            <a:latin typeface="Cambria Math" charset="0"/>
+                          </a:rPr>
                           <m:t>180</m:t>
                         </m:r>
                       </m:num>
                       <m:den>
                         <m:r>
-                          <a:rPr lang="en-US" i="1"/>
+                          <a:rPr lang="en-US" i="1">
+                            <a:latin typeface="Cambria Math" charset="0"/>
+                          </a:rPr>
                           <m:t>100</m:t>
                         </m:r>
                       </m:den>
                     </m:f>
                     <m:r>
-                      <a:rPr lang="en-US" i="1"/>
+                      <a:rPr lang="en-US" i="1">
+                        <a:latin typeface="Cambria Math" charset="0"/>
+                      </a:rPr>
                       <m:t>+32 </m:t>
                     </m:r>
                   </m:oMath>
@@ -7031,7 +7889,7 @@
             </p:txBody>
           </p:sp>
         </mc:Choice>
-        <mc:Fallback>
+        <mc:Fallback xmlns="">
           <p:sp>
             <p:nvSpPr>
               <p:cNvPr id="3" name="Content Placeholder 2"/>
@@ -7065,6 +7923,29 @@
           </p:sp>
         </mc:Fallback>
       </mc:AlternateContent>
+      <p:sp>
+        <p:nvSpPr>
+          <p:cNvPr id="4" name="Slide Number Placeholder 3"/>
+          <p:cNvSpPr>
+            <a:spLocks noGrp="1"/>
+          </p:cNvSpPr>
+          <p:nvPr>
+            <p:ph type="sldNum" sz="quarter" idx="12"/>
+          </p:nvPr>
+        </p:nvSpPr>
+        <p:spPr/>
+        <p:txBody>
+          <a:bodyPr/>
+          <a:lstStyle/>
+          <a:p>
+            <a:fld id="{6D22F896-40B5-4ADD-8801-0D06FADFA095}" type="slidenum">
+              <a:rPr lang="en-US" smtClean="0"/>
+              <a:t>7</a:t>
+            </a:fld>
+            <a:endParaRPr lang="en-US" dirty="0"/>
+          </a:p>
+        </p:txBody>
+      </p:sp>
     </p:spTree>
     <p:extLst>
       <p:ext uri="{BB962C8B-B14F-4D97-AF65-F5344CB8AC3E}">
@@ -7132,10 +8013,6 @@
               <a:rPr lang="en-US" dirty="0"/>
               <a:t>functions) </a:t>
             </a:r>
-            <a:r>
-              <a:rPr lang="en-US" dirty="0"/>
-              <a:t/>
-            </a:r>
             <a:br>
               <a:rPr lang="en-US" dirty="0"/>
             </a:br>
@@ -7143,8 +8020,8 @@
           </a:p>
         </p:txBody>
       </p:sp>
-      <mc:AlternateContent xmlns:mc="http://schemas.openxmlformats.org/markup-compatibility/2006">
-        <mc:Choice xmlns:a14="http://schemas.microsoft.com/office/drawing/2010/main" Requires="a14">
+      <mc:AlternateContent xmlns:mc="http://schemas.openxmlformats.org/markup-compatibility/2006" xmlns:a14="http://schemas.microsoft.com/office/drawing/2010/main">
+        <mc:Choice Requires="a14">
           <p:sp>
             <p:nvSpPr>
               <p:cNvPr id="3" name="Content Placeholder 2"/>
@@ -7165,114 +8042,154 @@
                 <a14:m>
                   <m:oMath xmlns:m="http://schemas.openxmlformats.org/officeDocument/2006/math">
                     <m:r>
-                      <a:rPr lang="en-US" i="1"/>
+                      <a:rPr lang="en-US" i="1">
+                        <a:latin typeface="Cambria Math" charset="0"/>
+                      </a:rPr>
                       <m:t>𝑦</m:t>
                     </m:r>
                     <m:d>
                       <m:dPr>
                         <m:ctrlPr>
-                          <a:rPr lang="en-US" i="1"/>
+                          <a:rPr lang="en-US" i="1">
+                            <a:latin typeface="Cambria Math" charset="0"/>
+                          </a:rPr>
                         </m:ctrlPr>
                       </m:dPr>
                       <m:e>
                         <m:r>
-                          <a:rPr lang="en-US" i="1"/>
+                          <a:rPr lang="en-US" i="1">
+                            <a:latin typeface="Cambria Math" charset="0"/>
+                          </a:rPr>
                           <m:t>𝑡</m:t>
                         </m:r>
                       </m:e>
                     </m:d>
                     <m:r>
-                      <a:rPr lang="en-US" i="1"/>
+                      <a:rPr lang="en-US" i="1">
+                        <a:latin typeface="Cambria Math" charset="0"/>
+                      </a:rPr>
                       <m:t>= </m:t>
                     </m:r>
                     <m:f>
                       <m:fPr>
                         <m:ctrlPr>
-                          <a:rPr lang="en-US" i="1"/>
+                          <a:rPr lang="en-US" i="1">
+                            <a:latin typeface="Cambria Math" charset="0"/>
+                          </a:rPr>
                         </m:ctrlPr>
                       </m:fPr>
                       <m:num>
                         <m:r>
-                          <a:rPr lang="en-US" i="1"/>
+                          <a:rPr lang="en-US" i="1">
+                            <a:latin typeface="Cambria Math" charset="0"/>
+                          </a:rPr>
                           <m:t>1</m:t>
                         </m:r>
                       </m:num>
                       <m:den>
                         <m:r>
-                          <a:rPr lang="en-US" i="1"/>
+                          <a:rPr lang="en-US" i="1">
+                            <a:latin typeface="Cambria Math" charset="0"/>
+                          </a:rPr>
                           <m:t>2</m:t>
                         </m:r>
                       </m:den>
                     </m:f>
                     <m:r>
-                      <a:rPr lang="en-US" i="1"/>
+                      <a:rPr lang="en-US" i="1">
+                        <a:latin typeface="Cambria Math" charset="0"/>
+                      </a:rPr>
                       <m:t>𝑎</m:t>
                     </m:r>
                     <m:sSup>
                       <m:sSupPr>
                         <m:ctrlPr>
-                          <a:rPr lang="en-US" i="1"/>
+                          <a:rPr lang="en-US" i="1">
+                            <a:latin typeface="Cambria Math" charset="0"/>
+                          </a:rPr>
                         </m:ctrlPr>
                       </m:sSupPr>
                       <m:e>
                         <m:r>
-                          <a:rPr lang="en-US" i="1"/>
+                          <a:rPr lang="en-US" i="1">
+                            <a:latin typeface="Cambria Math" charset="0"/>
+                          </a:rPr>
                           <m:t>𝑡</m:t>
                         </m:r>
                       </m:e>
                       <m:sup>
                         <m:r>
-                          <a:rPr lang="en-US" i="1"/>
+                          <a:rPr lang="en-US" i="1">
+                            <a:latin typeface="Cambria Math" charset="0"/>
+                          </a:rPr>
                           <m:t>2</m:t>
                         </m:r>
                       </m:sup>
                     </m:sSup>
                     <m:r>
-                      <a:rPr lang="en-US" i="1"/>
+                      <a:rPr lang="en-US" i="1">
+                        <a:latin typeface="Cambria Math" charset="0"/>
+                      </a:rPr>
                       <m:t>+</m:t>
                     </m:r>
                     <m:sSub>
                       <m:sSubPr>
                         <m:ctrlPr>
-                          <a:rPr lang="en-US" i="1"/>
+                          <a:rPr lang="en-US" i="1">
+                            <a:latin typeface="Cambria Math" charset="0"/>
+                          </a:rPr>
                         </m:ctrlPr>
                       </m:sSubPr>
                       <m:e>
                         <m:r>
-                          <a:rPr lang="en-US" i="1"/>
+                          <a:rPr lang="en-US" i="1">
+                            <a:latin typeface="Cambria Math" charset="0"/>
+                          </a:rPr>
                           <m:t>𝑣</m:t>
                         </m:r>
                       </m:e>
                       <m:sub>
                         <m:r>
-                          <a:rPr lang="en-US" i="1"/>
+                          <a:rPr lang="en-US" i="1">
+                            <a:latin typeface="Cambria Math" charset="0"/>
+                          </a:rPr>
                           <m:t>0</m:t>
                         </m:r>
                       </m:sub>
                     </m:sSub>
                     <m:r>
-                      <a:rPr lang="en-US" i="1"/>
+                      <a:rPr lang="en-US" i="1">
+                        <a:latin typeface="Cambria Math" charset="0"/>
+                      </a:rPr>
                       <m:t>𝑡</m:t>
                     </m:r>
                     <m:r>
-                      <a:rPr lang="en-US" i="1"/>
+                      <a:rPr lang="en-US" i="1">
+                        <a:latin typeface="Cambria Math" charset="0"/>
+                      </a:rPr>
                       <m:t>+ </m:t>
                     </m:r>
                     <m:sSub>
                       <m:sSubPr>
                         <m:ctrlPr>
-                          <a:rPr lang="en-US" i="1"/>
+                          <a:rPr lang="en-US" i="1">
+                            <a:latin typeface="Cambria Math" charset="0"/>
+                          </a:rPr>
                         </m:ctrlPr>
                       </m:sSubPr>
                       <m:e>
                         <m:r>
-                          <a:rPr lang="en-US" i="1"/>
+                          <a:rPr lang="en-US" i="1">
+                            <a:latin typeface="Cambria Math" charset="0"/>
+                          </a:rPr>
                           <m:t>𝑦</m:t>
                         </m:r>
                       </m:e>
                       <m:sub>
                         <m:r>
-                          <a:rPr lang="en-US" i="1"/>
+                          <a:rPr lang="en-US" i="1">
+                            <a:latin typeface="Cambria Math" charset="0"/>
+                          </a:rPr>
                           <m:t>0</m:t>
                         </m:r>
                       </m:sub>
@@ -7294,19 +8211,27 @@
                 <a14:m>
                   <m:oMath xmlns:m="http://schemas.openxmlformats.org/officeDocument/2006/math">
                     <m:r>
-                      <a:rPr lang="en-US" i="1" smtClean="0"/>
+                      <a:rPr lang="en-US" i="1" smtClean="0">
+                        <a:latin typeface="Cambria Math" charset="0"/>
+                      </a:rPr>
                       <m:t>𝑎</m:t>
                     </m:r>
                     <m:r>
-                      <a:rPr lang="en-US" i="1" smtClean="0"/>
+                      <a:rPr lang="en-US" i="1" smtClean="0">
+                        <a:latin typeface="Cambria Math" charset="0"/>
+                      </a:rPr>
                       <m:t>=</m:t>
                     </m:r>
                     <m:r>
-                      <a:rPr lang="en-US" i="1" smtClean="0"/>
+                      <a:rPr lang="en-US" i="1" smtClean="0">
+                        <a:latin typeface="Cambria Math" charset="0"/>
+                      </a:rPr>
                       <m:t>𝑔</m:t>
                     </m:r>
                     <m:r>
-                      <a:rPr lang="en-US" i="1" smtClean="0"/>
+                      <a:rPr lang="en-US" i="1" smtClean="0">
+                        <a:latin typeface="Cambria Math" charset="0"/>
+                      </a:rPr>
                       <m:t>= −9.81</m:t>
                     </m:r>
                   </m:oMath>
@@ -7320,18 +8245,24 @@
                     <m:sSub>
                       <m:sSubPr>
                         <m:ctrlPr>
-                          <a:rPr lang="en-US" i="1"/>
+                          <a:rPr lang="en-US" i="1">
+                            <a:latin typeface="Cambria Math" charset="0"/>
+                          </a:rPr>
                         </m:ctrlPr>
                       </m:sSubPr>
                       <m:e>
                         <m:r>
-                          <a:rPr lang="en-US" i="1"/>
+                          <a:rPr lang="en-US" i="1">
+                            <a:latin typeface="Cambria Math" charset="0"/>
+                          </a:rPr>
                           <m:t>𝑣</m:t>
                         </m:r>
                       </m:e>
                       <m:sub>
                         <m:r>
-                          <a:rPr lang="en-US" i="1"/>
+                          <a:rPr lang="en-US" i="1">
+                            <a:latin typeface="Cambria Math" charset="0"/>
+                          </a:rPr>
                           <m:t>0</m:t>
                         </m:r>
                       </m:sub>
@@ -7347,18 +8278,24 @@
                     <m:sSub>
                       <m:sSubPr>
                         <m:ctrlPr>
-                          <a:rPr lang="en-US" i="1"/>
+                          <a:rPr lang="en-US" i="1">
+                            <a:latin typeface="Cambria Math" charset="0"/>
+                          </a:rPr>
                         </m:ctrlPr>
                       </m:sSubPr>
                       <m:e>
                         <m:r>
-                          <a:rPr lang="en-US" i="1"/>
+                          <a:rPr lang="en-US" i="1">
+                            <a:latin typeface="Cambria Math" charset="0"/>
+                          </a:rPr>
                           <m:t>𝑦</m:t>
                         </m:r>
                       </m:e>
                       <m:sub>
                         <m:r>
-                          <a:rPr lang="en-US" i="1"/>
+                          <a:rPr lang="en-US" i="1">
+                            <a:latin typeface="Cambria Math" charset="0"/>
+                          </a:rPr>
                           <m:t>0</m:t>
                         </m:r>
                       </m:sub>
@@ -7376,11 +8313,15 @@
                 <a14:m>
                   <m:oMath xmlns:m="http://schemas.openxmlformats.org/officeDocument/2006/math">
                     <m:r>
-                      <a:rPr lang="en-US" i="1"/>
+                      <a:rPr lang="en-US" i="1">
+                        <a:latin typeface="Cambria Math" charset="0"/>
+                      </a:rPr>
                       <m:t>𝑡</m:t>
                     </m:r>
                     <m:r>
-                      <a:rPr lang="en-US" i="1"/>
+                      <a:rPr lang="en-US" i="1">
+                        <a:latin typeface="Cambria Math" charset="0"/>
+                      </a:rPr>
                       <m:t> </m:t>
                     </m:r>
                   </m:oMath>
@@ -7391,7 +8332,6 @@
                 </a:r>
               </a:p>
               <a:p>
-                <a:pPr/>
                 <a:r>
                   <a:rPr lang="en-US" dirty="0" err="1" smtClean="0"/>
                   <a:t>Vectorize</a:t>
@@ -7408,11 +8348,15 @@
                 <a14:m>
                   <m:oMath xmlns:m="http://schemas.openxmlformats.org/officeDocument/2006/math">
                     <m:r>
-                      <a:rPr lang="en-US" i="1"/>
+                      <a:rPr lang="en-US" i="1">
+                        <a:latin typeface="Cambria Math" charset="0"/>
+                      </a:rPr>
                       <m:t>𝑡</m:t>
                     </m:r>
                     <m:r>
-                      <a:rPr lang="en-US" i="1"/>
+                      <a:rPr lang="en-US" i="1">
+                        <a:latin typeface="Cambria Math" charset="0"/>
+                      </a:rPr>
                       <m:t> </m:t>
                     </m:r>
                   </m:oMath>
@@ -7447,7 +8391,6 @@
                   <a:rPr lang="en-US" dirty="0"/>
                   <a:t>y=a*t^2+v*t+x0; </a:t>
                 </a:r>
-                <a:endParaRPr lang="en-US" dirty="0"/>
               </a:p>
               <a:p>
                 <a:pPr marL="457200" lvl="1" indent="0">
@@ -7479,14 +8422,12 @@
                 </a:r>
               </a:p>
               <a:p>
-                <a:pPr/>
                 <a:r>
                   <a:rPr lang="it-IT" dirty="0" smtClean="0"/>
                   <a:t>Plot the t and y </a:t>
                 </a:r>
               </a:p>
               <a:p>
-                <a:pPr/>
                 <a:r>
                   <a:rPr lang="it-IT" dirty="0" smtClean="0"/>
                   <a:t>Create a </a:t>
@@ -7526,7 +8467,6 @@
                 <a:endParaRPr lang="it-IT" dirty="0" smtClean="0"/>
               </a:p>
               <a:p>
-                <a:pPr/>
                 <a:r>
                   <a:rPr lang="it-IT" dirty="0" err="1" smtClean="0"/>
                   <a:t>Modify</a:t>
@@ -7589,11 +8529,9 @@
                 </a:r>
               </a:p>
               <a:p>
-                <a:pPr/>
                 <a:endParaRPr lang="it-IT" dirty="0"/>
               </a:p>
               <a:p>
-                <a:pPr/>
                 <a:endParaRPr lang="it-IT" dirty="0"/>
               </a:p>
               <a:p>
@@ -7611,7 +8549,7 @@
             </p:txBody>
           </p:sp>
         </mc:Choice>
-        <mc:Fallback>
+        <mc:Fallback xmlns="">
           <p:sp>
             <p:nvSpPr>
               <p:cNvPr id="3" name="Content Placeholder 2"/>
@@ -7645,6 +8583,29 @@
           </p:sp>
         </mc:Fallback>
       </mc:AlternateContent>
+      <p:sp>
+        <p:nvSpPr>
+          <p:cNvPr id="4" name="Slide Number Placeholder 3"/>
+          <p:cNvSpPr>
+            <a:spLocks noGrp="1"/>
+          </p:cNvSpPr>
+          <p:nvPr>
+            <p:ph type="sldNum" sz="quarter" idx="12"/>
+          </p:nvPr>
+        </p:nvSpPr>
+        <p:spPr/>
+        <p:txBody>
+          <a:bodyPr/>
+          <a:lstStyle/>
+          <a:p>
+            <a:fld id="{6D22F896-40B5-4ADD-8801-0D06FADFA095}" type="slidenum">
+              <a:rPr lang="en-US" smtClean="0"/>
+              <a:t>8</a:t>
+            </a:fld>
+            <a:endParaRPr lang="en-US" dirty="0"/>
+          </a:p>
+        </p:txBody>
+      </p:sp>
     </p:spTree>
     <p:extLst>
       <p:ext uri="{BB962C8B-B14F-4D97-AF65-F5344CB8AC3E}">
@@ -7704,10 +8665,6 @@
               <a:rPr lang="en-US" dirty="0"/>
               <a:t>&amp; matrix operators) </a:t>
             </a:r>
-            <a:r>
-              <a:rPr lang="en-US" dirty="0"/>
-              <a:t/>
-            </a:r>
             <a:br>
               <a:rPr lang="en-US" dirty="0"/>
             </a:br>
@@ -7814,6 +8771,29 @@
             <a:endParaRPr lang="en-US" dirty="0"/>
           </a:p>
           <a:p>
+            <a:endParaRPr lang="en-US" dirty="0"/>
+          </a:p>
+        </p:txBody>
+      </p:sp>
+      <p:sp>
+        <p:nvSpPr>
+          <p:cNvPr id="4" name="Slide Number Placeholder 3"/>
+          <p:cNvSpPr>
+            <a:spLocks noGrp="1"/>
+          </p:cNvSpPr>
+          <p:nvPr>
+            <p:ph type="sldNum" sz="quarter" idx="12"/>
+          </p:nvPr>
+        </p:nvSpPr>
+        <p:spPr/>
+        <p:txBody>
+          <a:bodyPr/>
+          <a:lstStyle/>
+          <a:p>
+            <a:fld id="{6D22F896-40B5-4ADD-8801-0D06FADFA095}" type="slidenum">
+              <a:rPr lang="en-US" smtClean="0"/>
+              <a:t>9</a:t>
+            </a:fld>
             <a:endParaRPr lang="en-US" dirty="0"/>
           </a:p>
         </p:txBody>
@@ -8099,4 +9079,265 @@
     </a:ext>
   </a:extLst>
 </a:theme>
+</file>
+
+<file path=ppt/theme/theme2.xml><?xml version="1.0" encoding="utf-8"?>
+<a:theme xmlns:a="http://schemas.openxmlformats.org/drawingml/2006/main" name="Office Theme">
+  <a:themeElements>
+    <a:clrScheme name="Office">
+      <a:dk1>
+        <a:sysClr val="windowText" lastClr="000000"/>
+      </a:dk1>
+      <a:lt1>
+        <a:sysClr val="window" lastClr="FFFFFF"/>
+      </a:lt1>
+      <a:dk2>
+        <a:srgbClr val="44546A"/>
+      </a:dk2>
+      <a:lt2>
+        <a:srgbClr val="E7E6E6"/>
+      </a:lt2>
+      <a:accent1>
+        <a:srgbClr val="5B9BD5"/>
+      </a:accent1>
+      <a:accent2>
+        <a:srgbClr val="ED7D31"/>
+      </a:accent2>
+      <a:accent3>
+        <a:srgbClr val="A5A5A5"/>
+      </a:accent3>
+      <a:accent4>
+        <a:srgbClr val="FFC000"/>
+      </a:accent4>
+      <a:accent5>
+        <a:srgbClr val="4472C4"/>
+      </a:accent5>
+      <a:accent6>
+        <a:srgbClr val="70AD47"/>
+      </a:accent6>
+      <a:hlink>
+        <a:srgbClr val="0563C1"/>
+      </a:hlink>
+      <a:folHlink>
+        <a:srgbClr val="954F72"/>
+      </a:folHlink>
+    </a:clrScheme>
+    <a:fontScheme name="Office">
+      <a:majorFont>
+        <a:latin typeface="Calibri Light" panose="020F0302020204030204"/>
+        <a:ea typeface=""/>
+        <a:cs typeface=""/>
+        <a:font script="Jpan" typeface="Yu Gothic Light"/>
+        <a:font script="Hang" typeface="맑은 고딕"/>
+        <a:font script="Hans" typeface="DengXian Light"/>
+        <a:font script="Hant" typeface="新細明體"/>
+        <a:font script="Arab" typeface="Times New Roman"/>
+        <a:font script="Hebr" typeface="Times New Roman"/>
+        <a:font script="Thai" typeface="Angsana New"/>
+        <a:font script="Ethi" typeface="Nyala"/>
+        <a:font script="Beng" typeface="Vrinda"/>
+        <a:font script="Gujr" typeface="Shruti"/>
+        <a:font script="Khmr" typeface="MoolBoran"/>
+        <a:font script="Knda" typeface="Tunga"/>
+        <a:font script="Guru" typeface="Raavi"/>
+        <a:font script="Cans" typeface="Euphemia"/>
+        <a:font script="Cher" typeface="Plantagenet Cherokee"/>
+        <a:font script="Yiii" typeface="Microsoft Yi Baiti"/>
+        <a:font script="Tibt" typeface="Microsoft Himalaya"/>
+        <a:font script="Thaa" typeface="MV Boli"/>
+        <a:font script="Deva" typeface="Mangal"/>
+        <a:font script="Telu" typeface="Gautami"/>
+        <a:font script="Taml" typeface="Latha"/>
+        <a:font script="Syrc" typeface="Estrangelo Edessa"/>
+        <a:font script="Orya" typeface="Kalinga"/>
+        <a:font script="Mlym" typeface="Kartika"/>
+        <a:font script="Laoo" typeface="DokChampa"/>
+        <a:font script="Sinh" typeface="Iskoola Pota"/>
+        <a:font script="Mong" typeface="Mongolian Baiti"/>
+        <a:font script="Viet" typeface="Times New Roman"/>
+        <a:font script="Uigh" typeface="Microsoft Uighur"/>
+        <a:font script="Geor" typeface="Sylfaen"/>
+      </a:majorFont>
+      <a:minorFont>
+        <a:latin typeface="Calibri" panose="020F0502020204030204"/>
+        <a:ea typeface=""/>
+        <a:cs typeface=""/>
+        <a:font script="Jpan" typeface="Yu Gothic"/>
+        <a:font script="Hang" typeface="맑은 고딕"/>
+        <a:font script="Hans" typeface="DengXian"/>
+        <a:font script="Hant" typeface="新細明體"/>
+        <a:font script="Arab" typeface="Arial"/>
+        <a:font script="Hebr" typeface="Arial"/>
+        <a:font script="Thai" typeface="Cordia New"/>
+        <a:font script="Ethi" typeface="Nyala"/>
+        <a:font script="Beng" typeface="Vrinda"/>
+        <a:font script="Gujr" typeface="Shruti"/>
+        <a:font script="Khmr" typeface="DaunPenh"/>
+        <a:font script="Knda" typeface="Tunga"/>
+        <a:font script="Guru" typeface="Raavi"/>
+        <a:font script="Cans" typeface="Euphemia"/>
+        <a:font script="Cher" typeface="Plantagenet Cherokee"/>
+        <a:font script="Yiii" typeface="Microsoft Yi Baiti"/>
+        <a:font script="Tibt" typeface="Microsoft Himalaya"/>
+        <a:font script="Thaa" typeface="MV Boli"/>
+        <a:font script="Deva" typeface="Mangal"/>
+        <a:font script="Telu" typeface="Gautami"/>
+        <a:font script="Taml" typeface="Latha"/>
+        <a:font script="Syrc" typeface="Estrangelo Edessa"/>
+        <a:font script="Orya" typeface="Kalinga"/>
+        <a:font script="Mlym" typeface="Kartika"/>
+        <a:font script="Laoo" typeface="DokChampa"/>
+        <a:font script="Sinh" typeface="Iskoola Pota"/>
+        <a:font script="Mong" typeface="Mongolian Baiti"/>
+        <a:font script="Viet" typeface="Arial"/>
+        <a:font script="Uigh" typeface="Microsoft Uighur"/>
+        <a:font script="Geor" typeface="Sylfaen"/>
+      </a:minorFont>
+    </a:fontScheme>
+    <a:fmtScheme name="Office">
+      <a:fillStyleLst>
+        <a:solidFill>
+          <a:schemeClr val="phClr"/>
+        </a:solidFill>
+        <a:gradFill rotWithShape="1">
+          <a:gsLst>
+            <a:gs pos="0">
+              <a:schemeClr val="phClr">
+                <a:lumMod val="110000"/>
+                <a:satMod val="105000"/>
+                <a:tint val="67000"/>
+              </a:schemeClr>
+            </a:gs>
+            <a:gs pos="50000">
+              <a:schemeClr val="phClr">
+                <a:lumMod val="105000"/>
+                <a:satMod val="103000"/>
+                <a:tint val="73000"/>
+              </a:schemeClr>
+            </a:gs>
+            <a:gs pos="100000">
+              <a:schemeClr val="phClr">
+                <a:lumMod val="105000"/>
+                <a:satMod val="109000"/>
+                <a:tint val="81000"/>
+              </a:schemeClr>
+            </a:gs>
+          </a:gsLst>
+          <a:lin ang="5400000" scaled="0"/>
+        </a:gradFill>
+        <a:gradFill rotWithShape="1">
+          <a:gsLst>
+            <a:gs pos="0">
+              <a:schemeClr val="phClr">
+                <a:satMod val="103000"/>
+                <a:lumMod val="102000"/>
+                <a:tint val="94000"/>
+              </a:schemeClr>
+            </a:gs>
+            <a:gs pos="50000">
+              <a:schemeClr val="phClr">
+                <a:satMod val="110000"/>
+                <a:lumMod val="100000"/>
+                <a:shade val="100000"/>
+              </a:schemeClr>
+            </a:gs>
+            <a:gs pos="100000">
+              <a:schemeClr val="phClr">
+                <a:lumMod val="99000"/>
+                <a:satMod val="120000"/>
+                <a:shade val="78000"/>
+              </a:schemeClr>
+            </a:gs>
+          </a:gsLst>
+          <a:lin ang="5400000" scaled="0"/>
+        </a:gradFill>
+      </a:fillStyleLst>
+      <a:lnStyleLst>
+        <a:ln w="6350" cap="flat" cmpd="sng" algn="ctr">
+          <a:solidFill>
+            <a:schemeClr val="phClr"/>
+          </a:solidFill>
+          <a:prstDash val="solid"/>
+          <a:miter lim="800000"/>
+        </a:ln>
+        <a:ln w="12700" cap="flat" cmpd="sng" algn="ctr">
+          <a:solidFill>
+            <a:schemeClr val="phClr"/>
+          </a:solidFill>
+          <a:prstDash val="solid"/>
+          <a:miter lim="800000"/>
+        </a:ln>
+        <a:ln w="19050" cap="flat" cmpd="sng" algn="ctr">
+          <a:solidFill>
+            <a:schemeClr val="phClr"/>
+          </a:solidFill>
+          <a:prstDash val="solid"/>
+          <a:miter lim="800000"/>
+        </a:ln>
+      </a:lnStyleLst>
+      <a:effectStyleLst>
+        <a:effectStyle>
+          <a:effectLst/>
+        </a:effectStyle>
+        <a:effectStyle>
+          <a:effectLst/>
+        </a:effectStyle>
+        <a:effectStyle>
+          <a:effectLst>
+            <a:outerShdw blurRad="57150" dist="19050" dir="5400000" algn="ctr" rotWithShape="0">
+              <a:srgbClr val="000000">
+                <a:alpha val="63000"/>
+              </a:srgbClr>
+            </a:outerShdw>
+          </a:effectLst>
+        </a:effectStyle>
+      </a:effectStyleLst>
+      <a:bgFillStyleLst>
+        <a:solidFill>
+          <a:schemeClr val="phClr"/>
+        </a:solidFill>
+        <a:solidFill>
+          <a:schemeClr val="phClr">
+            <a:tint val="95000"/>
+            <a:satMod val="170000"/>
+          </a:schemeClr>
+        </a:solidFill>
+        <a:gradFill rotWithShape="1">
+          <a:gsLst>
+            <a:gs pos="0">
+              <a:schemeClr val="phClr">
+                <a:tint val="93000"/>
+                <a:satMod val="150000"/>
+                <a:shade val="98000"/>
+                <a:lumMod val="102000"/>
+              </a:schemeClr>
+            </a:gs>
+            <a:gs pos="50000">
+              <a:schemeClr val="phClr">
+                <a:tint val="98000"/>
+                <a:satMod val="130000"/>
+                <a:shade val="90000"/>
+                <a:lumMod val="103000"/>
+              </a:schemeClr>
+            </a:gs>
+            <a:gs pos="100000">
+              <a:schemeClr val="phClr">
+                <a:shade val="63000"/>
+                <a:satMod val="120000"/>
+              </a:schemeClr>
+            </a:gs>
+          </a:gsLst>
+          <a:lin ang="5400000" scaled="0"/>
+        </a:gradFill>
+      </a:bgFillStyleLst>
+    </a:fmtScheme>
+  </a:themeElements>
+  <a:objectDefaults/>
+  <a:extraClrSchemeLst/>
+  <a:extLst>
+    <a:ext uri="{05A4C25C-085E-4340-85A3-A5531E510DB2}">
+      <thm15:themeFamily xmlns:thm15="http://schemas.microsoft.com/office/thememl/2012/main" name="Office Theme" id="{62F939B6-93AF-4DB8-9C6B-D6C7DFDC589F}" vid="{4A3C46E8-61CC-4603-A589-7422A47A8E4A}"/>
+    </a:ext>
+  </a:extLst>
+</a:theme>
 </file>
--- a/Session1-matlab basics_Feb22.pptx
+++ b/Session1-matlab basics_Feb22.pptx
@@ -5,7 +5,7 @@
     <p:sldMasterId id="2147483741" r:id="rId1"/>
   </p:sldMasterIdLst>
   <p:notesMasterIdLst>
-    <p:notesMasterId r:id="rId12"/>
+    <p:notesMasterId r:id="rId13"/>
   </p:notesMasterIdLst>
   <p:sldIdLst>
     <p:sldId id="256" r:id="rId2"/>
@@ -14,10 +14,11 @@
     <p:sldId id="259" r:id="rId5"/>
     <p:sldId id="260" r:id="rId6"/>
     <p:sldId id="261" r:id="rId7"/>
-    <p:sldId id="264" r:id="rId8"/>
-    <p:sldId id="262" r:id="rId9"/>
-    <p:sldId id="263" r:id="rId10"/>
-    <p:sldId id="265" r:id="rId11"/>
+    <p:sldId id="266" r:id="rId8"/>
+    <p:sldId id="264" r:id="rId9"/>
+    <p:sldId id="262" r:id="rId10"/>
+    <p:sldId id="263" r:id="rId11"/>
+    <p:sldId id="265" r:id="rId12"/>
   </p:sldIdLst>
   <p:sldSz cx="12192000" cy="6858000"/>
   <p:notesSz cx="6858000" cy="9144000"/>
@@ -6279,6 +6280,13 @@
   <p:clrMapOvr>
     <a:masterClrMapping/>
   </p:clrMapOvr>
+  <p:timing>
+    <p:tnLst>
+      <p:par>
+        <p:cTn id="1" dur="indefinite" restart="never" nodeType="tmRoot"/>
+      </p:par>
+    </p:tnLst>
+  </p:timing>
 </p:sld>
 </file>
 
@@ -6311,6 +6319,205 @@
         </p:nvSpPr>
         <p:spPr/>
         <p:txBody>
+          <a:bodyPr>
+            <a:normAutofit fontScale="90000"/>
+          </a:bodyPr>
+          <a:lstStyle/>
+          <a:p>
+            <a:r>
+              <a:rPr lang="en-US" dirty="0"/>
+              <a:t>Example: Truss forces (</a:t>
+            </a:r>
+            <a:r>
+              <a:rPr lang="en-US" dirty="0" smtClean="0"/>
+              <a:t>Element-wise </a:t>
+            </a:r>
+            <a:r>
+              <a:rPr lang="en-US" dirty="0"/>
+              <a:t>&amp; matrix operators) </a:t>
+            </a:r>
+            <a:br>
+              <a:rPr lang="en-US" dirty="0"/>
+            </a:br>
+            <a:endParaRPr lang="en-US" dirty="0"/>
+          </a:p>
+        </p:txBody>
+      </p:sp>
+      <p:sp>
+        <p:nvSpPr>
+          <p:cNvPr id="3" name="Content Placeholder 2"/>
+          <p:cNvSpPr>
+            <a:spLocks noGrp="1"/>
+          </p:cNvSpPr>
+          <p:nvPr>
+            <p:ph idx="1"/>
+          </p:nvPr>
+        </p:nvSpPr>
+        <p:spPr/>
+        <p:txBody>
+          <a:bodyPr/>
+          <a:lstStyle/>
+          <a:p>
+            <a:r>
+              <a:rPr lang="en-US" dirty="0" smtClean="0"/>
+              <a:t>T*x=f   =&gt; </a:t>
+            </a:r>
+            <a:r>
+              <a:rPr lang="de-DE" dirty="0" smtClean="0"/>
+              <a:t>x=T</a:t>
+            </a:r>
+            <a:r>
+              <a:rPr lang="de-DE" baseline="30000" dirty="0" smtClean="0"/>
+              <a:t>-1</a:t>
+            </a:r>
+            <a:r>
+              <a:rPr lang="de-DE" dirty="0" smtClean="0"/>
+              <a:t> *f </a:t>
+            </a:r>
+            <a:endParaRPr lang="en-US" dirty="0"/>
+          </a:p>
+          <a:p>
+            <a:r>
+              <a:rPr lang="is-IS" dirty="0" smtClean="0"/>
+              <a:t>Let f</a:t>
+            </a:r>
+            <a:r>
+              <a:rPr lang="is-IS" baseline="-25000" dirty="0" smtClean="0"/>
+              <a:t>1</a:t>
+            </a:r>
+            <a:r>
+              <a:rPr lang="is-IS" dirty="0" smtClean="0"/>
+              <a:t> =10 and f</a:t>
+            </a:r>
+            <a:r>
+              <a:rPr lang="is-IS" baseline="-25000" dirty="0" smtClean="0"/>
+              <a:t>2</a:t>
+            </a:r>
+            <a:r>
+              <a:rPr lang="is-IS" dirty="0" smtClean="0"/>
+              <a:t> = 20 </a:t>
+            </a:r>
+            <a:endParaRPr lang="is-IS" dirty="0"/>
+          </a:p>
+          <a:p>
+            <a:r>
+              <a:rPr lang="en-US" dirty="0" smtClean="0"/>
+              <a:t>Define T and f using MATLAB new variable or load it from truss-</a:t>
+            </a:r>
+            <a:r>
+              <a:rPr lang="en-US" dirty="0" err="1" smtClean="0"/>
+              <a:t>matrix.mat</a:t>
+            </a:r>
+            <a:r>
+              <a:rPr lang="en-US" dirty="0" smtClean="0"/>
+              <a:t>.</a:t>
+            </a:r>
+          </a:p>
+          <a:p>
+            <a:r>
+              <a:rPr lang="en-US" dirty="0" smtClean="0"/>
+              <a:t>Solve the matrix using function ‘</a:t>
+            </a:r>
+            <a:r>
+              <a:rPr lang="en-US" dirty="0" err="1" smtClean="0"/>
+              <a:t>inv</a:t>
+            </a:r>
+            <a:r>
+              <a:rPr lang="en-US" dirty="0" smtClean="0"/>
+              <a:t>’  &amp; using ‘\’</a:t>
+            </a:r>
+          </a:p>
+          <a:p>
+            <a:r>
+              <a:rPr lang="en-US" dirty="0" smtClean="0"/>
+              <a:t>Compare the speed of two method using tic and </a:t>
+            </a:r>
+            <a:r>
+              <a:rPr lang="en-US" dirty="0" err="1" smtClean="0"/>
+              <a:t>toc</a:t>
+            </a:r>
+            <a:endParaRPr lang="en-US" dirty="0"/>
+          </a:p>
+          <a:p>
+            <a:endParaRPr lang="en-US" dirty="0"/>
+          </a:p>
+          <a:p>
+            <a:endParaRPr lang="en-US" dirty="0"/>
+          </a:p>
+        </p:txBody>
+      </p:sp>
+      <p:sp>
+        <p:nvSpPr>
+          <p:cNvPr id="4" name="Slide Number Placeholder 3"/>
+          <p:cNvSpPr>
+            <a:spLocks noGrp="1"/>
+          </p:cNvSpPr>
+          <p:nvPr>
+            <p:ph type="sldNum" sz="quarter" idx="12"/>
+          </p:nvPr>
+        </p:nvSpPr>
+        <p:spPr/>
+        <p:txBody>
+          <a:bodyPr/>
+          <a:lstStyle/>
+          <a:p>
+            <a:fld id="{6D22F896-40B5-4ADD-8801-0D06FADFA095}" type="slidenum">
+              <a:rPr lang="en-US" smtClean="0"/>
+              <a:t>10</a:t>
+            </a:fld>
+            <a:endParaRPr lang="en-US" dirty="0"/>
+          </a:p>
+        </p:txBody>
+      </p:sp>
+    </p:spTree>
+    <p:extLst>
+      <p:ext uri="{BB962C8B-B14F-4D97-AF65-F5344CB8AC3E}">
+        <p14:creationId xmlns:p14="http://schemas.microsoft.com/office/powerpoint/2010/main" val="706240686"/>
+      </p:ext>
+    </p:extLst>
+  </p:cSld>
+  <p:clrMapOvr>
+    <a:masterClrMapping/>
+  </p:clrMapOvr>
+  <p:timing>
+    <p:tnLst>
+      <p:par>
+        <p:cTn id="1" dur="indefinite" restart="never" nodeType="tmRoot"/>
+      </p:par>
+    </p:tnLst>
+  </p:timing>
+</p:sld>
+</file>
+
+<file path=ppt/slides/slide11.xml><?xml version="1.0" encoding="utf-8"?>
+<p:sld xmlns:a="http://schemas.openxmlformats.org/drawingml/2006/main" xmlns:r="http://schemas.openxmlformats.org/officeDocument/2006/relationships" xmlns:p="http://schemas.openxmlformats.org/presentationml/2006/main">
+  <p:cSld>
+    <p:spTree>
+      <p:nvGrpSpPr>
+        <p:cNvPr id="1" name=""/>
+        <p:cNvGrpSpPr/>
+        <p:nvPr/>
+      </p:nvGrpSpPr>
+      <p:grpSpPr>
+        <a:xfrm>
+          <a:off x="0" y="0"/>
+          <a:ext cx="0" cy="0"/>
+          <a:chOff x="0" y="0"/>
+          <a:chExt cx="0" cy="0"/>
+        </a:xfrm>
+      </p:grpSpPr>
+      <p:sp>
+        <p:nvSpPr>
+          <p:cNvPr id="2" name="Title 1"/>
+          <p:cNvSpPr>
+            <a:spLocks noGrp="1"/>
+          </p:cNvSpPr>
+          <p:nvPr>
+            <p:ph type="title"/>
+          </p:nvPr>
+        </p:nvSpPr>
+        <p:spPr/>
+        <p:txBody>
           <a:bodyPr/>
           <a:lstStyle/>
           <a:p>
@@ -6551,7 +6758,7 @@
           <a:p>
             <a:fld id="{6D22F896-40B5-4ADD-8801-0D06FADFA095}" type="slidenum">
               <a:rPr lang="en-US" smtClean="0"/>
-              <a:t>10</a:t>
+              <a:t>11</a:t>
             </a:fld>
             <a:endParaRPr lang="en-US" dirty="0"/>
           </a:p>
@@ -6567,6 +6774,13 @@
   <p:clrMapOvr>
     <a:masterClrMapping/>
   </p:clrMapOvr>
+  <p:timing>
+    <p:tnLst>
+      <p:par>
+        <p:cTn id="1" dur="indefinite" restart="never" nodeType="tmRoot"/>
+      </p:par>
+    </p:tnLst>
+  </p:timing>
 </p:sld>
 </file>
 
@@ -6767,6 +6981,13 @@
   <p:clrMapOvr>
     <a:masterClrMapping/>
   </p:clrMapOvr>
+  <p:timing>
+    <p:tnLst>
+      <p:par>
+        <p:cTn id="1" dur="indefinite" restart="never" nodeType="tmRoot"/>
+      </p:par>
+    </p:tnLst>
+  </p:timing>
 </p:sld>
 </file>
 
@@ -6954,6 +7175,13 @@
   <p:clrMapOvr>
     <a:masterClrMapping/>
   </p:clrMapOvr>
+  <p:timing>
+    <p:tnLst>
+      <p:par>
+        <p:cTn id="1" dur="indefinite" restart="never" nodeType="tmRoot"/>
+      </p:par>
+    </p:tnLst>
+  </p:timing>
 </p:sld>
 </file>
 
@@ -7107,9 +7335,10 @@
               <a:buNone/>
             </a:pPr>
             <a:r>
-              <a:rPr lang="en-US" dirty="0"/>
-              <a:t>1:2:7</a:t>
-            </a:r>
+              <a:rPr lang="en-US" dirty="0" smtClean="0"/>
+              <a:t>1:2:7  % row vector 		(1:2:7)’	% column vector</a:t>
+            </a:r>
+            <a:endParaRPr lang="en-US" dirty="0"/>
           </a:p>
           <a:p>
             <a:pPr marL="914400" lvl="2" indent="0">
@@ -7130,15 +7359,49 @@
             </a:r>
             <a:r>
               <a:rPr lang="en-US" dirty="0" smtClean="0"/>
-              <a:t>(0,10,5)</a:t>
-            </a:r>
-            <a:endParaRPr lang="en-US" dirty="0"/>
-          </a:p>
-          <a:p>
+              <a:t>(0,10,5</a:t>
+            </a:r>
             <a:r>
               <a:rPr lang="en-US" dirty="0" smtClean="0"/>
-              <a:t>Accessing element</a:t>
-            </a:r>
+              <a:t>)  % </a:t>
+            </a:r>
+            <a:r>
+              <a:rPr lang="en-US" dirty="0"/>
+              <a:t>row vector	 </a:t>
+            </a:r>
+            <a:r>
+              <a:rPr lang="en-US" dirty="0" err="1"/>
+              <a:t>linspace</a:t>
+            </a:r>
+            <a:r>
+              <a:rPr lang="en-US" dirty="0"/>
+              <a:t>(0,10,5</a:t>
+            </a:r>
+            <a:r>
+              <a:rPr lang="en-US" dirty="0" smtClean="0"/>
+              <a:t>).’  % column vector</a:t>
+            </a:r>
+            <a:endParaRPr lang="en-US" dirty="0"/>
+          </a:p>
+          <a:p>
+            <a:r>
+              <a:rPr lang="en-US" dirty="0" smtClean="0"/>
+              <a:t>Accessing </a:t>
+            </a:r>
+            <a:r>
+              <a:rPr lang="en-US" dirty="0" smtClean="0"/>
+              <a:t>element  </a:t>
+            </a:r>
+          </a:p>
+          <a:p>
+            <a:pPr marL="457200" lvl="1" indent="0">
+              <a:buNone/>
+            </a:pPr>
+            <a:r>
+              <a:rPr lang="en-US" dirty="0" smtClean="0"/>
+              <a:t>Index in MATLAB starts from 1 (not 0).</a:t>
+            </a:r>
+            <a:endParaRPr lang="en-US" dirty="0" smtClean="0"/>
           </a:p>
           <a:p>
             <a:pPr marL="457200" lvl="1" indent="0">
@@ -7218,6 +7481,13 @@
   <p:clrMapOvr>
     <a:masterClrMapping/>
   </p:clrMapOvr>
+  <p:timing>
+    <p:tnLst>
+      <p:par>
+        <p:cTn id="1" dur="indefinite" restart="never" nodeType="tmRoot"/>
+      </p:par>
+    </p:tnLst>
+  </p:timing>
 </p:sld>
 </file>
 
@@ -7385,6 +7655,13 @@
   <p:clrMapOvr>
     <a:masterClrMapping/>
   </p:clrMapOvr>
+  <p:timing>
+    <p:tnLst>
+      <p:par>
+        <p:cTn id="1" dur="indefinite" restart="never" nodeType="tmRoot"/>
+      </p:par>
+    </p:tnLst>
+  </p:timing>
 </p:sld>
 </file>
 
@@ -7581,10 +7858,493 @@
   <p:clrMapOvr>
     <a:masterClrMapping/>
   </p:clrMapOvr>
+  <p:timing>
+    <p:tnLst>
+      <p:par>
+        <p:cTn id="1" dur="indefinite" restart="never" nodeType="tmRoot"/>
+      </p:par>
+    </p:tnLst>
+  </p:timing>
 </p:sld>
 </file>
 
 <file path=ppt/slides/slide7.xml><?xml version="1.0" encoding="utf-8"?>
+<p:sld xmlns:a="http://schemas.openxmlformats.org/drawingml/2006/main" xmlns:r="http://schemas.openxmlformats.org/officeDocument/2006/relationships" xmlns:p="http://schemas.openxmlformats.org/presentationml/2006/main">
+  <p:cSld>
+    <p:spTree>
+      <p:nvGrpSpPr>
+        <p:cNvPr id="1" name=""/>
+        <p:cNvGrpSpPr/>
+        <p:nvPr/>
+      </p:nvGrpSpPr>
+      <p:grpSpPr>
+        <a:xfrm>
+          <a:off x="0" y="0"/>
+          <a:ext cx="0" cy="0"/>
+          <a:chOff x="0" y="0"/>
+          <a:chExt cx="0" cy="0"/>
+        </a:xfrm>
+      </p:grpSpPr>
+      <p:sp>
+        <p:nvSpPr>
+          <p:cNvPr id="2" name="Title 1"/>
+          <p:cNvSpPr>
+            <a:spLocks noGrp="1"/>
+          </p:cNvSpPr>
+          <p:nvPr>
+            <p:ph type="title"/>
+          </p:nvPr>
+        </p:nvSpPr>
+        <p:spPr/>
+        <p:txBody>
+          <a:bodyPr/>
+          <a:lstStyle/>
+          <a:p>
+            <a:r>
+              <a:rPr lang="en-US" dirty="0" smtClean="0"/>
+              <a:t>Replicating &amp; reshaping</a:t>
+            </a:r>
+            <a:endParaRPr lang="en-US" dirty="0"/>
+          </a:p>
+        </p:txBody>
+      </p:sp>
+      <p:sp>
+        <p:nvSpPr>
+          <p:cNvPr id="3" name="Content Placeholder 2"/>
+          <p:cNvSpPr>
+            <a:spLocks noGrp="1"/>
+          </p:cNvSpPr>
+          <p:nvPr>
+            <p:ph idx="1"/>
+          </p:nvPr>
+        </p:nvSpPr>
+        <p:spPr>
+          <a:xfrm>
+            <a:off x="685800" y="2194560"/>
+            <a:ext cx="10820400" cy="4257040"/>
+          </a:xfrm>
+        </p:spPr>
+        <p:txBody>
+          <a:bodyPr>
+            <a:normAutofit fontScale="92500" lnSpcReduction="10000"/>
+          </a:bodyPr>
+          <a:lstStyle/>
+          <a:p>
+            <a:r>
+              <a:rPr lang="en-US" dirty="0" smtClean="0"/>
+              <a:t>Replicating elements in vectors</a:t>
+            </a:r>
+          </a:p>
+          <a:p>
+            <a:pPr marL="0" indent="0">
+              <a:buNone/>
+            </a:pPr>
+            <a:endParaRPr lang="en-US" dirty="0" smtClean="0"/>
+          </a:p>
+          <a:p>
+            <a:pPr lvl="1"/>
+            <a:r>
+              <a:rPr lang="en-US" dirty="0" smtClean="0"/>
+              <a:t>Example : </a:t>
+            </a:r>
+            <a:r>
+              <a:rPr lang="pt-BR" i="1" dirty="0"/>
+              <a:t>N = 3; A = [ 4 5 </a:t>
+            </a:r>
+            <a:r>
+              <a:rPr lang="pt-BR" i="1" dirty="0" smtClean="0"/>
+              <a:t>]</a:t>
+            </a:r>
+          </a:p>
+          <a:p>
+            <a:pPr marL="457200" lvl="1" indent="0">
+              <a:buNone/>
+            </a:pPr>
+            <a:r>
+              <a:rPr lang="pt-BR" dirty="0" smtClean="0"/>
+              <a:t>   </a:t>
+            </a:r>
+            <a:r>
+              <a:rPr lang="pt-BR" dirty="0" err="1" smtClean="0"/>
+              <a:t>Create</a:t>
+            </a:r>
+            <a:r>
+              <a:rPr lang="pt-BR" dirty="0" smtClean="0"/>
+              <a:t> </a:t>
+            </a:r>
+            <a:r>
+              <a:rPr lang="pt-BR" dirty="0"/>
+              <a:t>N copies </a:t>
+            </a:r>
+            <a:r>
+              <a:rPr lang="pt-BR" dirty="0" err="1"/>
+              <a:t>of</a:t>
+            </a:r>
+            <a:r>
+              <a:rPr lang="pt-BR" dirty="0"/>
+              <a:t> </a:t>
+            </a:r>
+            <a:r>
+              <a:rPr lang="pt-BR" dirty="0" err="1"/>
+              <a:t>each</a:t>
+            </a:r>
+            <a:r>
+              <a:rPr lang="pt-BR" dirty="0"/>
+              <a:t> </a:t>
+            </a:r>
+            <a:r>
+              <a:rPr lang="pt-BR" dirty="0" err="1"/>
+              <a:t>element</a:t>
+            </a:r>
+            <a:r>
+              <a:rPr lang="pt-BR" dirty="0"/>
+              <a:t> in A, </a:t>
+            </a:r>
+            <a:r>
+              <a:rPr lang="pt-BR" dirty="0" err="1"/>
+              <a:t>so</a:t>
+            </a:r>
+            <a:r>
+              <a:rPr lang="pt-BR" dirty="0"/>
+              <a:t> </a:t>
+            </a:r>
+            <a:r>
+              <a:rPr lang="pt-BR" dirty="0" err="1"/>
+              <a:t>B</a:t>
+            </a:r>
+            <a:r>
+              <a:rPr lang="pt-BR" dirty="0"/>
+              <a:t> = [ 4 4 4 5 5 5 </a:t>
+            </a:r>
+            <a:r>
+              <a:rPr lang="pt-BR" dirty="0" smtClean="0"/>
+              <a:t>]</a:t>
+            </a:r>
+          </a:p>
+          <a:p>
+            <a:pPr marL="914400" lvl="2" indent="0">
+              <a:buNone/>
+            </a:pPr>
+            <a:r>
+              <a:rPr lang="pt-BR" dirty="0"/>
+              <a:t> </a:t>
+            </a:r>
+            <a:r>
+              <a:rPr lang="pt-BR" dirty="0" smtClean="0"/>
+              <a:t>  Use </a:t>
+            </a:r>
+            <a:r>
+              <a:rPr lang="pt-BR" b="1" dirty="0" err="1" smtClean="0"/>
+              <a:t>kron</a:t>
+            </a:r>
+            <a:r>
+              <a:rPr lang="pt-BR" dirty="0"/>
+              <a:t>: </a:t>
+            </a:r>
+            <a:r>
+              <a:rPr lang="pt-BR" dirty="0" err="1"/>
+              <a:t>K</a:t>
+            </a:r>
+            <a:r>
+              <a:rPr lang="pt-BR" dirty="0"/>
+              <a:t> = </a:t>
+            </a:r>
+            <a:r>
+              <a:rPr lang="pt-BR" dirty="0" err="1"/>
+              <a:t>kron</a:t>
+            </a:r>
+            <a:r>
+              <a:rPr lang="pt-BR" dirty="0"/>
+              <a:t>(X,Y)</a:t>
+            </a:r>
+            <a:r>
+              <a:rPr lang="pt-BR" dirty="0"/>
+              <a:t> </a:t>
+            </a:r>
+            <a:r>
+              <a:rPr lang="pt-BR" dirty="0" err="1"/>
+              <a:t>returns</a:t>
+            </a:r>
+            <a:r>
+              <a:rPr lang="pt-BR" dirty="0"/>
+              <a:t> </a:t>
+            </a:r>
+            <a:r>
+              <a:rPr lang="pt-BR" dirty="0" err="1"/>
+              <a:t>the</a:t>
+            </a:r>
+            <a:r>
+              <a:rPr lang="pt-BR" dirty="0"/>
+              <a:t> </a:t>
+            </a:r>
+            <a:r>
+              <a:rPr lang="pt-BR" dirty="0" err="1"/>
+              <a:t>Kronecker</a:t>
+            </a:r>
+            <a:r>
+              <a:rPr lang="pt-BR" dirty="0"/>
+              <a:t> tensor </a:t>
+            </a:r>
+            <a:r>
+              <a:rPr lang="pt-BR" dirty="0" err="1"/>
+              <a:t>product</a:t>
+            </a:r>
+            <a:r>
+              <a:rPr lang="pt-BR" dirty="0"/>
+              <a:t> </a:t>
+            </a:r>
+            <a:r>
+              <a:rPr lang="pt-BR" dirty="0" err="1"/>
+              <a:t>of</a:t>
+            </a:r>
+            <a:r>
+              <a:rPr lang="pt-BR" dirty="0"/>
+              <a:t> </a:t>
+            </a:r>
+            <a:r>
+              <a:rPr lang="pt-BR" dirty="0" err="1"/>
+              <a:t>X</a:t>
+            </a:r>
+            <a:r>
+              <a:rPr lang="pt-BR" dirty="0"/>
+              <a:t> </a:t>
+            </a:r>
+            <a:r>
+              <a:rPr lang="pt-BR" dirty="0" err="1"/>
+              <a:t>and</a:t>
+            </a:r>
+            <a:r>
+              <a:rPr lang="pt-BR" dirty="0"/>
+              <a:t> </a:t>
+            </a:r>
+            <a:r>
+              <a:rPr lang="pt-BR" dirty="0" err="1" smtClean="0"/>
+              <a:t>Y</a:t>
+            </a:r>
+            <a:endParaRPr lang="pt-BR" dirty="0" smtClean="0"/>
+          </a:p>
+          <a:p>
+            <a:pPr marL="457200" lvl="1" indent="0">
+              <a:buNone/>
+            </a:pPr>
+            <a:r>
+              <a:rPr lang="pt-BR" dirty="0" smtClean="0"/>
+              <a:t>   &gt;&gt; </a:t>
+            </a:r>
+            <a:r>
+              <a:rPr lang="pt-BR" i="1" dirty="0" err="1" smtClean="0"/>
+              <a:t>kron</a:t>
+            </a:r>
+            <a:r>
+              <a:rPr lang="pt-BR" i="1" dirty="0" smtClean="0"/>
+              <a:t>(A,[1 1 1])</a:t>
+            </a:r>
+          </a:p>
+          <a:p>
+            <a:pPr marL="0" indent="0">
+              <a:buNone/>
+            </a:pPr>
+            <a:endParaRPr lang="pt-BR" dirty="0" smtClean="0"/>
+          </a:p>
+          <a:p>
+            <a:r>
+              <a:rPr lang="pt-BR" dirty="0" err="1" smtClean="0"/>
+              <a:t>Reshaping</a:t>
+            </a:r>
+            <a:r>
+              <a:rPr lang="pt-BR" dirty="0" smtClean="0"/>
+              <a:t> </a:t>
+            </a:r>
+            <a:r>
+              <a:rPr lang="pt-BR" dirty="0" err="1" smtClean="0"/>
+              <a:t>arrays</a:t>
+            </a:r>
+            <a:r>
+              <a:rPr lang="pt-BR" dirty="0" smtClean="0"/>
+              <a:t>:</a:t>
+            </a:r>
+            <a:r>
+              <a:rPr lang="pt-BR" dirty="0"/>
+              <a:t>	</a:t>
+            </a:r>
+            <a:endParaRPr lang="pt-BR" dirty="0" smtClean="0"/>
+          </a:p>
+          <a:p>
+            <a:pPr marL="0" indent="0">
+              <a:buNone/>
+            </a:pPr>
+            <a:endParaRPr lang="pt-BR" dirty="0" smtClean="0"/>
+          </a:p>
+          <a:p>
+            <a:pPr lvl="1"/>
+            <a:r>
+              <a:rPr lang="pt-BR" dirty="0"/>
+              <a:t>	</a:t>
+            </a:r>
+            <a:r>
+              <a:rPr lang="pt-BR" sz="2100" dirty="0" err="1" smtClean="0"/>
+              <a:t>Example</a:t>
+            </a:r>
+            <a:r>
+              <a:rPr lang="pt-BR" sz="2100" dirty="0" smtClean="0"/>
+              <a:t>:</a:t>
+            </a:r>
+          </a:p>
+          <a:p>
+            <a:pPr marL="914400" lvl="2" indent="0">
+              <a:buNone/>
+            </a:pPr>
+            <a:r>
+              <a:rPr lang="sk-SK" sz="2100" dirty="0" err="1"/>
+              <a:t>Reshape</a:t>
+            </a:r>
+            <a:r>
+              <a:rPr lang="sk-SK" sz="2100" dirty="0"/>
+              <a:t> a 3-by-4 </a:t>
+            </a:r>
+            <a:r>
+              <a:rPr lang="sk-SK" sz="2100" dirty="0" err="1"/>
+              <a:t>matrix</a:t>
+            </a:r>
+            <a:r>
+              <a:rPr lang="sk-SK" sz="2100" dirty="0"/>
+              <a:t> </a:t>
+            </a:r>
+            <a:r>
+              <a:rPr lang="sk-SK" sz="2100" dirty="0" err="1"/>
+              <a:t>into</a:t>
+            </a:r>
+            <a:r>
+              <a:rPr lang="sk-SK" sz="2100" dirty="0"/>
+              <a:t> a 2-by-6 </a:t>
+            </a:r>
+            <a:r>
+              <a:rPr lang="sk-SK" sz="2100" dirty="0" err="1"/>
+              <a:t>matrix</a:t>
+            </a:r>
+            <a:r>
+              <a:rPr lang="sk-SK" sz="2100" dirty="0"/>
+              <a:t>.</a:t>
+            </a:r>
+          </a:p>
+          <a:p>
+            <a:pPr marL="914400" lvl="2" indent="0">
+              <a:buNone/>
+            </a:pPr>
+            <a:r>
+              <a:rPr lang="sk-SK" sz="2100" i="1" dirty="0"/>
+              <a:t>A = </a:t>
+            </a:r>
+            <a:r>
+              <a:rPr lang="sk-SK" sz="2100" i="1" dirty="0" smtClean="0"/>
+              <a:t>[1 </a:t>
+            </a:r>
+            <a:r>
+              <a:rPr lang="sk-SK" sz="2100" i="1" dirty="0"/>
+              <a:t>4 7 10 </a:t>
+            </a:r>
+            <a:r>
+              <a:rPr lang="sk-SK" sz="2100" i="1" dirty="0" smtClean="0"/>
+              <a:t>; 2 </a:t>
+            </a:r>
+            <a:r>
+              <a:rPr lang="sk-SK" sz="2100" i="1" dirty="0"/>
+              <a:t>5 8 </a:t>
+            </a:r>
+            <a:r>
+              <a:rPr lang="sk-SK" sz="2100" i="1" dirty="0" smtClean="0"/>
+              <a:t>11; </a:t>
+            </a:r>
+            <a:r>
+              <a:rPr lang="sk-SK" sz="2100" i="1" dirty="0"/>
+              <a:t>3 6 9 12 </a:t>
+            </a:r>
+            <a:r>
+              <a:rPr lang="sk-SK" sz="2100" i="1" dirty="0" smtClean="0"/>
+              <a:t>]</a:t>
+            </a:r>
+          </a:p>
+          <a:p>
+            <a:pPr marL="914400" lvl="2" indent="0">
+              <a:buNone/>
+            </a:pPr>
+            <a:r>
+              <a:rPr lang="sk-SK" sz="2100" i="1" dirty="0" smtClean="0"/>
+              <a:t>B </a:t>
+            </a:r>
+            <a:r>
+              <a:rPr lang="sk-SK" sz="2100" i="1" dirty="0"/>
+              <a:t>= </a:t>
+            </a:r>
+            <a:r>
+              <a:rPr lang="sk-SK" sz="2100" i="1" dirty="0" err="1"/>
+              <a:t>reshape</a:t>
+            </a:r>
+            <a:r>
+              <a:rPr lang="sk-SK" sz="2100" i="1" dirty="0"/>
+              <a:t>(A,2,6) </a:t>
+            </a:r>
+            <a:r>
+              <a:rPr lang="sk-SK" sz="2100" i="1" dirty="0" smtClean="0"/>
+              <a:t> </a:t>
+            </a:r>
+            <a:r>
+              <a:rPr lang="sk-SK" sz="2100" dirty="0" smtClean="0"/>
+              <a:t>or </a:t>
+            </a:r>
+            <a:r>
+              <a:rPr lang="sk-SK" sz="2100" i="1" dirty="0"/>
+              <a:t>B = </a:t>
+            </a:r>
+            <a:r>
+              <a:rPr lang="sk-SK" sz="2100" i="1" dirty="0" err="1"/>
+              <a:t>reshape</a:t>
+            </a:r>
+            <a:r>
+              <a:rPr lang="sk-SK" sz="2100" i="1" dirty="0"/>
+              <a:t>(A,2,[]) </a:t>
+            </a:r>
+            <a:endParaRPr lang="sk-SK" sz="2100" i="1" dirty="0" smtClean="0"/>
+          </a:p>
+        </p:txBody>
+      </p:sp>
+      <p:sp>
+        <p:nvSpPr>
+          <p:cNvPr id="4" name="Slide Number Placeholder 3"/>
+          <p:cNvSpPr>
+            <a:spLocks noGrp="1"/>
+          </p:cNvSpPr>
+          <p:nvPr>
+            <p:ph type="sldNum" sz="quarter" idx="12"/>
+          </p:nvPr>
+        </p:nvSpPr>
+        <p:spPr/>
+        <p:txBody>
+          <a:bodyPr/>
+          <a:lstStyle/>
+          <a:p>
+            <a:fld id="{6D22F896-40B5-4ADD-8801-0D06FADFA095}" type="slidenum">
+              <a:rPr lang="en-US" smtClean="0"/>
+              <a:t>7</a:t>
+            </a:fld>
+            <a:endParaRPr lang="en-US" dirty="0"/>
+          </a:p>
+        </p:txBody>
+      </p:sp>
+    </p:spTree>
+    <p:extLst>
+      <p:ext uri="{BB962C8B-B14F-4D97-AF65-F5344CB8AC3E}">
+        <p14:creationId xmlns:p14="http://schemas.microsoft.com/office/powerpoint/2010/main" val="1495809693"/>
+      </p:ext>
+    </p:extLst>
+  </p:cSld>
+  <p:clrMapOvr>
+    <a:masterClrMapping/>
+  </p:clrMapOvr>
+</p:sld>
+</file>
+
+<file path=ppt/slides/slide8.xml><?xml version="1.0" encoding="utf-8"?>
 <p:sld xmlns:a="http://schemas.openxmlformats.org/drawingml/2006/main" xmlns:r="http://schemas.openxmlformats.org/officeDocument/2006/relationships" xmlns:p="http://schemas.openxmlformats.org/presentationml/2006/main">
   <p:cSld>
     <p:spTree>
@@ -7940,7 +8700,7 @@
           <a:p>
             <a:fld id="{6D22F896-40B5-4ADD-8801-0D06FADFA095}" type="slidenum">
               <a:rPr lang="en-US" smtClean="0"/>
-              <a:t>7</a:t>
+              <a:t>8</a:t>
             </a:fld>
             <a:endParaRPr lang="en-US" dirty="0"/>
           </a:p>
@@ -7956,10 +8716,17 @@
   <p:clrMapOvr>
     <a:masterClrMapping/>
   </p:clrMapOvr>
+  <p:timing>
+    <p:tnLst>
+      <p:par>
+        <p:cTn id="1" dur="indefinite" restart="never" nodeType="tmRoot"/>
+      </p:par>
+    </p:tnLst>
+  </p:timing>
 </p:sld>
 </file>
 
-<file path=ppt/slides/slide8.xml><?xml version="1.0" encoding="utf-8"?>
+<file path=ppt/slides/slide9.xml><?xml version="1.0" encoding="utf-8"?>
 <p:sld xmlns:a="http://schemas.openxmlformats.org/drawingml/2006/main" xmlns:r="http://schemas.openxmlformats.org/officeDocument/2006/relationships" xmlns:p="http://schemas.openxmlformats.org/presentationml/2006/main">
   <p:cSld>
     <p:spTree>
@@ -8600,7 +9367,7 @@
           <a:p>
             <a:fld id="{6D22F896-40B5-4ADD-8801-0D06FADFA095}" type="slidenum">
               <a:rPr lang="en-US" smtClean="0"/>
-              <a:t>8</a:t>
+              <a:t>9</a:t>
             </a:fld>
             <a:endParaRPr lang="en-US" dirty="0"/>
           </a:p>
@@ -8616,198 +9383,13 @@
   <p:clrMapOvr>
     <a:masterClrMapping/>
   </p:clrMapOvr>
-</p:sld>
-</file>
-
-<file path=ppt/slides/slide9.xml><?xml version="1.0" encoding="utf-8"?>
-<p:sld xmlns:a="http://schemas.openxmlformats.org/drawingml/2006/main" xmlns:r="http://schemas.openxmlformats.org/officeDocument/2006/relationships" xmlns:p="http://schemas.openxmlformats.org/presentationml/2006/main">
-  <p:cSld>
-    <p:spTree>
-      <p:nvGrpSpPr>
-        <p:cNvPr id="1" name=""/>
-        <p:cNvGrpSpPr/>
-        <p:nvPr/>
-      </p:nvGrpSpPr>
-      <p:grpSpPr>
-        <a:xfrm>
-          <a:off x="0" y="0"/>
-          <a:ext cx="0" cy="0"/>
-          <a:chOff x="0" y="0"/>
-          <a:chExt cx="0" cy="0"/>
-        </a:xfrm>
-      </p:grpSpPr>
-      <p:sp>
-        <p:nvSpPr>
-          <p:cNvPr id="2" name="Title 1"/>
-          <p:cNvSpPr>
-            <a:spLocks noGrp="1"/>
-          </p:cNvSpPr>
-          <p:nvPr>
-            <p:ph type="title"/>
-          </p:nvPr>
-        </p:nvSpPr>
-        <p:spPr/>
-        <p:txBody>
-          <a:bodyPr>
-            <a:normAutofit fontScale="90000"/>
-          </a:bodyPr>
-          <a:lstStyle/>
-          <a:p>
-            <a:r>
-              <a:rPr lang="en-US" dirty="0"/>
-              <a:t>Example: Truss forces (</a:t>
-            </a:r>
-            <a:r>
-              <a:rPr lang="en-US" dirty="0" smtClean="0"/>
-              <a:t>Element-wise </a:t>
-            </a:r>
-            <a:r>
-              <a:rPr lang="en-US" dirty="0"/>
-              <a:t>&amp; matrix operators) </a:t>
-            </a:r>
-            <a:br>
-              <a:rPr lang="en-US" dirty="0"/>
-            </a:br>
-            <a:endParaRPr lang="en-US" dirty="0"/>
-          </a:p>
-        </p:txBody>
-      </p:sp>
-      <p:sp>
-        <p:nvSpPr>
-          <p:cNvPr id="3" name="Content Placeholder 2"/>
-          <p:cNvSpPr>
-            <a:spLocks noGrp="1"/>
-          </p:cNvSpPr>
-          <p:nvPr>
-            <p:ph idx="1"/>
-          </p:nvPr>
-        </p:nvSpPr>
-        <p:spPr/>
-        <p:txBody>
-          <a:bodyPr/>
-          <a:lstStyle/>
-          <a:p>
-            <a:r>
-              <a:rPr lang="en-US" dirty="0" smtClean="0"/>
-              <a:t>T*x=f   =&gt; </a:t>
-            </a:r>
-            <a:r>
-              <a:rPr lang="de-DE" dirty="0" smtClean="0"/>
-              <a:t>x=T</a:t>
-            </a:r>
-            <a:r>
-              <a:rPr lang="de-DE" baseline="30000" dirty="0" smtClean="0"/>
-              <a:t>-1</a:t>
-            </a:r>
-            <a:r>
-              <a:rPr lang="de-DE" dirty="0" smtClean="0"/>
-              <a:t> *f </a:t>
-            </a:r>
-            <a:endParaRPr lang="en-US" dirty="0"/>
-          </a:p>
-          <a:p>
-            <a:r>
-              <a:rPr lang="is-IS" dirty="0" smtClean="0"/>
-              <a:t>Let f</a:t>
-            </a:r>
-            <a:r>
-              <a:rPr lang="is-IS" baseline="-25000" dirty="0" smtClean="0"/>
-              <a:t>1</a:t>
-            </a:r>
-            <a:r>
-              <a:rPr lang="is-IS" dirty="0" smtClean="0"/>
-              <a:t> =10 and f</a:t>
-            </a:r>
-            <a:r>
-              <a:rPr lang="is-IS" baseline="-25000" dirty="0" smtClean="0"/>
-              <a:t>2</a:t>
-            </a:r>
-            <a:r>
-              <a:rPr lang="is-IS" dirty="0" smtClean="0"/>
-              <a:t> = 20 </a:t>
-            </a:r>
-            <a:endParaRPr lang="is-IS" dirty="0"/>
-          </a:p>
-          <a:p>
-            <a:r>
-              <a:rPr lang="en-US" dirty="0" smtClean="0"/>
-              <a:t>Define T and f using MATLAB new variable or load it from truss-</a:t>
-            </a:r>
-            <a:r>
-              <a:rPr lang="en-US" dirty="0" err="1" smtClean="0"/>
-              <a:t>matrix.mat</a:t>
-            </a:r>
-            <a:r>
-              <a:rPr lang="en-US" dirty="0" smtClean="0"/>
-              <a:t>.</a:t>
-            </a:r>
-          </a:p>
-          <a:p>
-            <a:r>
-              <a:rPr lang="en-US" dirty="0" smtClean="0"/>
-              <a:t>Solve the matrix using function ‘</a:t>
-            </a:r>
-            <a:r>
-              <a:rPr lang="en-US" dirty="0" err="1" smtClean="0"/>
-              <a:t>inv</a:t>
-            </a:r>
-            <a:r>
-              <a:rPr lang="en-US" dirty="0" smtClean="0"/>
-              <a:t>’  &amp; using ‘\’</a:t>
-            </a:r>
-          </a:p>
-          <a:p>
-            <a:r>
-              <a:rPr lang="en-US" dirty="0" smtClean="0"/>
-              <a:t>Compare the speed of two method using tic and </a:t>
-            </a:r>
-            <a:r>
-              <a:rPr lang="en-US" dirty="0" err="1" smtClean="0"/>
-              <a:t>toc</a:t>
-            </a:r>
-            <a:endParaRPr lang="en-US" dirty="0"/>
-          </a:p>
-          <a:p>
-            <a:endParaRPr lang="en-US" dirty="0"/>
-          </a:p>
-          <a:p>
-            <a:endParaRPr lang="en-US" dirty="0"/>
-          </a:p>
-        </p:txBody>
-      </p:sp>
-      <p:sp>
-        <p:nvSpPr>
-          <p:cNvPr id="4" name="Slide Number Placeholder 3"/>
-          <p:cNvSpPr>
-            <a:spLocks noGrp="1"/>
-          </p:cNvSpPr>
-          <p:nvPr>
-            <p:ph type="sldNum" sz="quarter" idx="12"/>
-          </p:nvPr>
-        </p:nvSpPr>
-        <p:spPr/>
-        <p:txBody>
-          <a:bodyPr/>
-          <a:lstStyle/>
-          <a:p>
-            <a:fld id="{6D22F896-40B5-4ADD-8801-0D06FADFA095}" type="slidenum">
-              <a:rPr lang="en-US" smtClean="0"/>
-              <a:t>9</a:t>
-            </a:fld>
-            <a:endParaRPr lang="en-US" dirty="0"/>
-          </a:p>
-        </p:txBody>
-      </p:sp>
-    </p:spTree>
-    <p:extLst>
-      <p:ext uri="{BB962C8B-B14F-4D97-AF65-F5344CB8AC3E}">
-        <p14:creationId xmlns:p14="http://schemas.microsoft.com/office/powerpoint/2010/main" val="706240686"/>
-      </p:ext>
-    </p:extLst>
-  </p:cSld>
-  <p:clrMapOvr>
-    <a:masterClrMapping/>
-  </p:clrMapOvr>
+  <p:timing>
+    <p:tnLst>
+      <p:par>
+        <p:cTn id="1" dur="indefinite" restart="never" nodeType="tmRoot"/>
+      </p:par>
+    </p:tnLst>
+  </p:timing>
 </p:sld>
 </file>
 

--- a/Session1-matlab basics_Feb22.pptx
+++ b/Session1-matlab basics_Feb22.pptx
@@ -13,8 +13,8 @@
     <p:sldId id="258" r:id="rId4"/>
     <p:sldId id="259" r:id="rId5"/>
     <p:sldId id="260" r:id="rId6"/>
-    <p:sldId id="261" r:id="rId7"/>
-    <p:sldId id="266" r:id="rId8"/>
+    <p:sldId id="266" r:id="rId7"/>
+    <p:sldId id="261" r:id="rId8"/>
     <p:sldId id="264" r:id="rId9"/>
     <p:sldId id="262" r:id="rId10"/>
     <p:sldId id="263" r:id="rId11"/>
@@ -6837,7 +6837,7 @@
         <p:spPr/>
         <p:txBody>
           <a:bodyPr>
-            <a:normAutofit/>
+            <a:normAutofit lnSpcReduction="10000"/>
           </a:bodyPr>
           <a:lstStyle/>
           <a:p>
@@ -6874,7 +6874,17 @@
             </a:r>
             <a:r>
               <a:rPr lang="en-US" sz="2400" dirty="0" smtClean="0"/>
-              <a:t>&amp; Operators</a:t>
+              <a:t>&amp; </a:t>
+            </a:r>
+            <a:r>
+              <a:rPr lang="en-US" sz="2400" dirty="0" smtClean="0"/>
+              <a:t>Operators</a:t>
+            </a:r>
+          </a:p>
+          <a:p>
+            <a:r>
+              <a:rPr lang="en-US" sz="2400" dirty="0" smtClean="0"/>
+              <a:t>Replicating vectors &amp; Reshaping matrices</a:t>
             </a:r>
             <a:endParaRPr lang="en-US" sz="2400" dirty="0"/>
           </a:p>
@@ -7359,11 +7369,7 @@
             </a:r>
             <a:r>
               <a:rPr lang="en-US" dirty="0" smtClean="0"/>
-              <a:t>(0,10,5</a:t>
-            </a:r>
-            <a:r>
-              <a:rPr lang="en-US" dirty="0" smtClean="0"/>
-              <a:t>)  % </a:t>
+              <a:t>(0,10,5)  % </a:t>
             </a:r>
             <a:r>
               <a:rPr lang="en-US" dirty="0"/>
@@ -7386,11 +7392,7 @@
           <a:p>
             <a:r>
               <a:rPr lang="en-US" dirty="0" smtClean="0"/>
-              <a:t>Accessing </a:t>
-            </a:r>
-            <a:r>
-              <a:rPr lang="en-US" dirty="0" smtClean="0"/>
-              <a:t>element  </a:t>
+              <a:t>Accessing element  </a:t>
             </a:r>
           </a:p>
           <a:p>
@@ -7401,7 +7403,6 @@
               <a:rPr lang="en-US" dirty="0" smtClean="0"/>
               <a:t>Index in MATLAB starts from 1 (not 0).</a:t>
             </a:r>
-            <a:endParaRPr lang="en-US" dirty="0" smtClean="0"/>
           </a:p>
           <a:p>
             <a:pPr marL="457200" lvl="1" indent="0">
@@ -7694,134 +7695,410 @@
         </p:nvSpPr>
         <p:spPr/>
         <p:txBody>
+          <a:bodyPr/>
+          <a:lstStyle/>
+          <a:p>
+            <a:r>
+              <a:rPr lang="en-US" dirty="0" smtClean="0"/>
+              <a:t>Replicating &amp; reshaping</a:t>
+            </a:r>
+            <a:endParaRPr lang="en-US" dirty="0"/>
+          </a:p>
+        </p:txBody>
+      </p:sp>
+      <p:sp>
+        <p:nvSpPr>
+          <p:cNvPr id="3" name="Content Placeholder 2"/>
+          <p:cNvSpPr>
+            <a:spLocks noGrp="1"/>
+          </p:cNvSpPr>
+          <p:nvPr>
+            <p:ph idx="1"/>
+          </p:nvPr>
+        </p:nvSpPr>
+        <p:spPr>
+          <a:xfrm>
+            <a:off x="685800" y="1930400"/>
+            <a:ext cx="10820400" cy="4521200"/>
+          </a:xfrm>
+        </p:spPr>
+        <p:txBody>
           <a:bodyPr>
-            <a:normAutofit fontScale="90000"/>
+            <a:normAutofit/>
           </a:bodyPr>
           <a:lstStyle/>
           <a:p>
             <a:r>
-              <a:rPr lang="en-US"/>
-              <a:t>Example: Area of a circle &amp; volume of a sphere (functions) </a:t>
-            </a:r>
-            <a:br>
-              <a:rPr lang="en-US"/>
-            </a:br>
-            <a:endParaRPr lang="en-US"/>
-          </a:p>
-        </p:txBody>
-      </p:sp>
-      <p:sp>
-        <p:nvSpPr>
-          <p:cNvPr id="3" name="Content Placeholder 2"/>
-          <p:cNvSpPr>
-            <a:spLocks noGrp="1"/>
-          </p:cNvSpPr>
-          <p:nvPr>
-            <p:ph idx="1"/>
-          </p:nvPr>
-        </p:nvSpPr>
-        <p:spPr/>
-        <p:txBody>
-          <a:bodyPr/>
-          <a:lstStyle/>
-          <a:p>
-            <a:r>
-              <a:rPr lang="en-US" dirty="0" smtClean="0"/>
-              <a:t>A(r) = </a:t>
-            </a:r>
-            <a:r>
-              <a:rPr lang="el-GR" dirty="0"/>
-              <a:t>π </a:t>
-            </a:r>
-            <a:r>
-              <a:rPr lang="en-US" dirty="0" smtClean="0"/>
-              <a:t>r</a:t>
-            </a:r>
-            <a:r>
-              <a:rPr lang="en-US" baseline="30000" dirty="0" smtClean="0"/>
-              <a:t>2	</a:t>
-            </a:r>
-            <a:r>
-              <a:rPr lang="en-US" dirty="0" smtClean="0"/>
-              <a:t>	r : radius</a:t>
-            </a:r>
-            <a:endParaRPr lang="el-GR" dirty="0"/>
-          </a:p>
-          <a:p>
-            <a:r>
-              <a:rPr lang="en-US" dirty="0" smtClean="0"/>
-              <a:t> To make it reproducible, use a function</a:t>
-            </a:r>
-          </a:p>
-          <a:p>
-            <a:r>
-              <a:rPr lang="en-US" dirty="0"/>
+              <a:rPr lang="en-US" sz="1900" dirty="0" smtClean="0"/>
+              <a:t>Replicating elements in vectors</a:t>
+            </a:r>
+          </a:p>
+          <a:p>
+            <a:pPr marL="0" indent="0">
+              <a:buNone/>
+            </a:pPr>
+            <a:endParaRPr lang="en-US" sz="1900" dirty="0" smtClean="0"/>
+          </a:p>
+          <a:p>
+            <a:pPr lvl="1"/>
+            <a:r>
+              <a:rPr lang="en-US" sz="1900" dirty="0" smtClean="0"/>
+              <a:t>Example : </a:t>
+            </a:r>
+            <a:r>
+              <a:rPr lang="pt-BR" sz="1900" i="1" dirty="0"/>
+              <a:t>N = 3; A = [ 4 5 </a:t>
+            </a:r>
+            <a:r>
+              <a:rPr lang="pt-BR" sz="1900" i="1" dirty="0" smtClean="0"/>
+              <a:t>]</a:t>
+            </a:r>
+          </a:p>
+          <a:p>
+            <a:pPr marL="457200" lvl="1" indent="0">
+              <a:buNone/>
+            </a:pPr>
+            <a:r>
+              <a:rPr lang="pt-BR" sz="1900" dirty="0" smtClean="0"/>
+              <a:t>   </a:t>
+            </a:r>
+            <a:r>
+              <a:rPr lang="pt-BR" sz="1900" dirty="0" err="1" smtClean="0"/>
+              <a:t>Create</a:t>
+            </a:r>
+            <a:r>
+              <a:rPr lang="pt-BR" sz="1900" dirty="0" smtClean="0"/>
               <a:t> </a:t>
             </a:r>
             <a:r>
-              <a:rPr lang="en-US" dirty="0" smtClean="0"/>
-              <a:t>Try it on 1:1:5</a:t>
-            </a:r>
-          </a:p>
-          <a:p>
-            <a:r>
-              <a:rPr lang="en-US" dirty="0" smtClean="0"/>
-              <a:t>Create a new function, </a:t>
-            </a:r>
-            <a:r>
-              <a:rPr lang="en-US" dirty="0" err="1"/>
-              <a:t>volOfSphere</a:t>
-            </a:r>
-            <a:r>
-              <a:rPr lang="en-US" dirty="0" smtClean="0"/>
-              <a:t>, and make it work:</a:t>
-            </a:r>
+              <a:rPr lang="pt-BR" sz="1900" dirty="0"/>
+              <a:t>N copies </a:t>
+            </a:r>
+            <a:r>
+              <a:rPr lang="pt-BR" sz="1900" dirty="0" err="1"/>
+              <a:t>of</a:t>
+            </a:r>
+            <a:r>
+              <a:rPr lang="pt-BR" sz="1900" dirty="0"/>
+              <a:t> </a:t>
+            </a:r>
+            <a:r>
+              <a:rPr lang="pt-BR" sz="1900" dirty="0" err="1"/>
+              <a:t>each</a:t>
+            </a:r>
+            <a:r>
+              <a:rPr lang="pt-BR" sz="1900" dirty="0"/>
+              <a:t> </a:t>
+            </a:r>
+            <a:r>
+              <a:rPr lang="pt-BR" sz="1900" dirty="0" err="1"/>
+              <a:t>element</a:t>
+            </a:r>
+            <a:r>
+              <a:rPr lang="pt-BR" sz="1900" dirty="0"/>
+              <a:t> in A, </a:t>
+            </a:r>
+            <a:r>
+              <a:rPr lang="pt-BR" sz="1900" dirty="0" err="1"/>
+              <a:t>so</a:t>
+            </a:r>
+            <a:r>
+              <a:rPr lang="pt-BR" sz="1900" dirty="0"/>
+              <a:t> </a:t>
+            </a:r>
+            <a:r>
+              <a:rPr lang="pt-BR" sz="1900" dirty="0" err="1"/>
+              <a:t>B</a:t>
+            </a:r>
+            <a:r>
+              <a:rPr lang="pt-BR" sz="1900" dirty="0"/>
+              <a:t> = [ 4 4 4 5 5 5 </a:t>
+            </a:r>
+            <a:r>
+              <a:rPr lang="pt-BR" sz="1900" dirty="0" smtClean="0"/>
+              <a:t>]</a:t>
+            </a:r>
+          </a:p>
+          <a:p>
+            <a:pPr marL="914400" lvl="2" indent="0">
+              <a:buNone/>
+            </a:pPr>
+            <a:r>
+              <a:rPr lang="pt-BR" sz="1900" dirty="0"/>
+              <a:t> </a:t>
+            </a:r>
+            <a:r>
+              <a:rPr lang="pt-BR" sz="1900" dirty="0" smtClean="0"/>
+              <a:t>  Use </a:t>
+            </a:r>
+            <a:r>
+              <a:rPr lang="pt-BR" sz="1900" b="1" dirty="0" err="1" smtClean="0"/>
+              <a:t>kron</a:t>
+            </a:r>
+            <a:r>
+              <a:rPr lang="pt-BR" sz="1900" dirty="0"/>
+              <a:t>: </a:t>
+            </a:r>
+            <a:r>
+              <a:rPr lang="pt-BR" sz="1900" dirty="0" err="1"/>
+              <a:t>K</a:t>
+            </a:r>
+            <a:r>
+              <a:rPr lang="pt-BR" sz="1900" dirty="0"/>
+              <a:t> = </a:t>
+            </a:r>
+            <a:r>
+              <a:rPr lang="pt-BR" sz="1900" dirty="0" err="1"/>
+              <a:t>kron</a:t>
+            </a:r>
+            <a:r>
+              <a:rPr lang="pt-BR" sz="1900" dirty="0"/>
+              <a:t>(X,Y) </a:t>
+            </a:r>
+            <a:r>
+              <a:rPr lang="pt-BR" sz="1900" dirty="0" err="1"/>
+              <a:t>returns</a:t>
+            </a:r>
+            <a:r>
+              <a:rPr lang="pt-BR" sz="1900" dirty="0"/>
+              <a:t> </a:t>
+            </a:r>
+            <a:r>
+              <a:rPr lang="pt-BR" sz="1900" dirty="0" err="1"/>
+              <a:t>the</a:t>
+            </a:r>
+            <a:r>
+              <a:rPr lang="pt-BR" sz="1900" dirty="0"/>
+              <a:t> </a:t>
+            </a:r>
+            <a:r>
+              <a:rPr lang="pt-BR" sz="1900" u="sng" dirty="0" err="1"/>
+              <a:t>Kronecker</a:t>
+            </a:r>
+            <a:r>
+              <a:rPr lang="pt-BR" sz="1900" u="sng" dirty="0"/>
+              <a:t> tensor </a:t>
+            </a:r>
+            <a:r>
+              <a:rPr lang="pt-BR" sz="1900" u="sng" dirty="0" err="1"/>
+              <a:t>product</a:t>
+            </a:r>
+            <a:r>
+              <a:rPr lang="pt-BR" sz="1900" u="sng" dirty="0"/>
+              <a:t> </a:t>
+            </a:r>
+            <a:r>
+              <a:rPr lang="pt-BR" sz="1900" dirty="0" err="1"/>
+              <a:t>of</a:t>
+            </a:r>
+            <a:r>
+              <a:rPr lang="pt-BR" sz="1900" dirty="0"/>
+              <a:t> </a:t>
+            </a:r>
+            <a:r>
+              <a:rPr lang="pt-BR" sz="1900" dirty="0" err="1"/>
+              <a:t>X</a:t>
+            </a:r>
+            <a:r>
+              <a:rPr lang="pt-BR" sz="1900" dirty="0"/>
+              <a:t> </a:t>
+            </a:r>
+            <a:r>
+              <a:rPr lang="pt-BR" sz="1900" dirty="0" err="1"/>
+              <a:t>and</a:t>
+            </a:r>
+            <a:r>
+              <a:rPr lang="pt-BR" sz="1900" dirty="0"/>
+              <a:t> </a:t>
+            </a:r>
+            <a:r>
+              <a:rPr lang="pt-BR" sz="1900" dirty="0" err="1" smtClean="0"/>
+              <a:t>Y</a:t>
+            </a:r>
+            <a:endParaRPr lang="pt-BR" sz="1900" dirty="0" smtClean="0"/>
           </a:p>
           <a:p>
             <a:pPr marL="457200" lvl="1" indent="0">
               <a:buNone/>
             </a:pPr>
             <a:r>
-              <a:rPr lang="en-US" dirty="0" smtClean="0"/>
+              <a:rPr lang="pt-BR" sz="1900" dirty="0" smtClean="0"/>
+              <a:t>   &gt;&gt; </a:t>
+            </a:r>
+            <a:r>
+              <a:rPr lang="pt-BR" sz="1900" i="1" dirty="0" err="1" smtClean="0"/>
+              <a:t>kron</a:t>
+            </a:r>
+            <a:r>
+              <a:rPr lang="pt-BR" sz="1900" i="1" dirty="0" smtClean="0"/>
+              <a:t>(A,[1 1 1])</a:t>
+            </a:r>
+          </a:p>
+          <a:p>
+            <a:pPr marL="0" indent="0">
+              <a:buNone/>
+            </a:pPr>
+            <a:endParaRPr lang="pt-BR" sz="1900" dirty="0" smtClean="0"/>
+          </a:p>
+          <a:p>
+            <a:r>
+              <a:rPr lang="pt-BR" sz="1900" dirty="0" err="1" smtClean="0"/>
+              <a:t>Reshaping</a:t>
+            </a:r>
+            <a:r>
+              <a:rPr lang="pt-BR" sz="1900" dirty="0" smtClean="0"/>
               <a:t> </a:t>
             </a:r>
             <a:r>
-              <a:rPr lang="en-US" dirty="0"/>
-              <a:t>function </a:t>
-            </a:r>
-            <a:r>
-              <a:rPr lang="en-US" dirty="0" smtClean="0"/>
-              <a:t>[V] </a:t>
-            </a:r>
-            <a:r>
-              <a:rPr lang="en-US" dirty="0"/>
+              <a:rPr lang="pt-BR" sz="1900" dirty="0" err="1" smtClean="0"/>
+              <a:t>arrays</a:t>
+            </a:r>
+            <a:r>
+              <a:rPr lang="pt-BR" sz="1900" dirty="0" smtClean="0"/>
+              <a:t>:</a:t>
+            </a:r>
+            <a:r>
+              <a:rPr lang="pt-BR" sz="1900" dirty="0"/>
+              <a:t>	</a:t>
+            </a:r>
+            <a:endParaRPr lang="pt-BR" sz="1900" dirty="0" smtClean="0"/>
+          </a:p>
+          <a:p>
+            <a:pPr marL="0" indent="0">
+              <a:buNone/>
+            </a:pPr>
+            <a:endParaRPr lang="pt-BR" sz="1900" dirty="0" smtClean="0"/>
+          </a:p>
+          <a:p>
+            <a:pPr lvl="1"/>
+            <a:r>
+              <a:rPr lang="pt-BR" sz="1900" dirty="0"/>
+              <a:t>	</a:t>
+            </a:r>
+            <a:r>
+              <a:rPr lang="pt-BR" sz="1900" dirty="0" err="1" smtClean="0"/>
+              <a:t>Example</a:t>
+            </a:r>
+            <a:r>
+              <a:rPr lang="pt-BR" sz="1900" dirty="0" smtClean="0"/>
+              <a:t>:</a:t>
+            </a:r>
+          </a:p>
+          <a:p>
+            <a:pPr marL="914400" lvl="2" indent="0">
+              <a:buNone/>
+            </a:pPr>
+            <a:r>
+              <a:rPr lang="sk-SK" sz="1900" dirty="0" err="1"/>
+              <a:t>Reshape</a:t>
+            </a:r>
+            <a:r>
+              <a:rPr lang="sk-SK" sz="1900" dirty="0"/>
+              <a:t> a 3-by-4 </a:t>
+            </a:r>
+            <a:r>
+              <a:rPr lang="sk-SK" sz="1900" dirty="0" err="1"/>
+              <a:t>matrix</a:t>
+            </a:r>
+            <a:r>
+              <a:rPr lang="sk-SK" sz="1900" dirty="0"/>
+              <a:t> </a:t>
+            </a:r>
+            <a:r>
+              <a:rPr lang="sk-SK" sz="1900" dirty="0" err="1"/>
+              <a:t>into</a:t>
+            </a:r>
+            <a:r>
+              <a:rPr lang="sk-SK" sz="1900" dirty="0"/>
+              <a:t> a 2-by-6 </a:t>
+            </a:r>
+            <a:r>
+              <a:rPr lang="sk-SK" sz="1900" dirty="0" err="1"/>
+              <a:t>matrix</a:t>
+            </a:r>
+            <a:r>
+              <a:rPr lang="sk-SK" sz="1900" dirty="0"/>
+              <a:t>.</a:t>
+            </a:r>
+          </a:p>
+          <a:p>
+            <a:pPr marL="914400" lvl="2" indent="0">
+              <a:buNone/>
+            </a:pPr>
+            <a:r>
+              <a:rPr lang="sk-SK" sz="1900" i="1" dirty="0"/>
+              <a:t>A = </a:t>
+            </a:r>
+            <a:r>
+              <a:rPr lang="sk-SK" sz="1900" i="1" dirty="0" smtClean="0"/>
+              <a:t>[1 </a:t>
+            </a:r>
+            <a:r>
+              <a:rPr lang="sk-SK" sz="1900" i="1" dirty="0"/>
+              <a:t>4 7 10 </a:t>
+            </a:r>
+            <a:r>
+              <a:rPr lang="sk-SK" sz="1900" i="1" dirty="0" smtClean="0"/>
+              <a:t>; 2 </a:t>
+            </a:r>
+            <a:r>
+              <a:rPr lang="sk-SK" sz="1900" i="1" dirty="0"/>
+              <a:t>5 8 </a:t>
+            </a:r>
+            <a:r>
+              <a:rPr lang="sk-SK" sz="1900" i="1" dirty="0" smtClean="0"/>
+              <a:t>11; </a:t>
+            </a:r>
+            <a:r>
+              <a:rPr lang="sk-SK" sz="1900" i="1" dirty="0"/>
+              <a:t>3 6 9 12 </a:t>
+            </a:r>
+            <a:r>
+              <a:rPr lang="sk-SK" sz="1900" i="1" dirty="0" smtClean="0"/>
+              <a:t>]</a:t>
+            </a:r>
+          </a:p>
+          <a:p>
+            <a:pPr marL="914400" lvl="2" indent="0">
+              <a:buNone/>
+            </a:pPr>
+            <a:r>
+              <a:rPr lang="sk-SK" sz="1900" i="1" dirty="0" smtClean="0"/>
+              <a:t>B </a:t>
+            </a:r>
+            <a:r>
+              <a:rPr lang="sk-SK" sz="1900" i="1" dirty="0"/>
               <a:t>= </a:t>
             </a:r>
             <a:r>
-              <a:rPr lang="en-US" dirty="0" err="1" smtClean="0"/>
-              <a:t>volOfSphere</a:t>
-            </a:r>
-            <a:r>
-              <a:rPr lang="en-US" dirty="0" smtClean="0"/>
-              <a:t>(r)</a:t>
-            </a:r>
-          </a:p>
-          <a:p>
-            <a:pPr marL="457200" lvl="1" indent="0">
-              <a:buNone/>
-            </a:pPr>
-            <a:r>
-              <a:rPr lang="is-IS" dirty="0" smtClean="0"/>
-              <a:t>…..</a:t>
-            </a:r>
-            <a:endParaRPr lang="en-US" dirty="0"/>
-          </a:p>
-          <a:p>
-            <a:pPr lvl="1"/>
-            <a:endParaRPr lang="en-US" dirty="0"/>
-          </a:p>
-          <a:p>
-            <a:endParaRPr lang="en-US" dirty="0"/>
+              <a:rPr lang="sk-SK" sz="1900" i="1" dirty="0" err="1"/>
+              <a:t>reshape</a:t>
+            </a:r>
+            <a:r>
+              <a:rPr lang="sk-SK" sz="1900" i="1" dirty="0"/>
+              <a:t>(A,2,6) </a:t>
+            </a:r>
+            <a:r>
+              <a:rPr lang="sk-SK" sz="1900" i="1" dirty="0" smtClean="0"/>
+              <a:t> </a:t>
+            </a:r>
+            <a:r>
+              <a:rPr lang="sk-SK" sz="1900" dirty="0" smtClean="0"/>
+              <a:t>or </a:t>
+            </a:r>
+            <a:r>
+              <a:rPr lang="sk-SK" sz="1900" i="1" dirty="0"/>
+              <a:t>B = </a:t>
+            </a:r>
+            <a:r>
+              <a:rPr lang="sk-SK" sz="1900" i="1" dirty="0" err="1"/>
+              <a:t>reshape</a:t>
+            </a:r>
+            <a:r>
+              <a:rPr lang="sk-SK" sz="1900" i="1" dirty="0"/>
+              <a:t>(A,2,[]) </a:t>
+            </a:r>
+            <a:endParaRPr lang="sk-SK" sz="1900" i="1" dirty="0" smtClean="0"/>
           </a:p>
         </p:txBody>
       </p:sp>
@@ -7851,20 +8128,13 @@
     </p:spTree>
     <p:extLst>
       <p:ext uri="{BB962C8B-B14F-4D97-AF65-F5344CB8AC3E}">
-        <p14:creationId xmlns:p14="http://schemas.microsoft.com/office/powerpoint/2010/main" val="323226376"/>
+        <p14:creationId xmlns:p14="http://schemas.microsoft.com/office/powerpoint/2010/main" val="1495809693"/>
       </p:ext>
     </p:extLst>
   </p:cSld>
   <p:clrMapOvr>
     <a:masterClrMapping/>
   </p:clrMapOvr>
-  <p:timing>
-    <p:tnLst>
-      <p:par>
-        <p:cTn id="1" dur="indefinite" restart="never" nodeType="tmRoot"/>
-      </p:par>
-    </p:tnLst>
-  </p:timing>
 </p:sld>
 </file>
 
@@ -7897,414 +8167,134 @@
         </p:nvSpPr>
         <p:spPr/>
         <p:txBody>
+          <a:bodyPr>
+            <a:normAutofit fontScale="90000"/>
+          </a:bodyPr>
+          <a:lstStyle/>
+          <a:p>
+            <a:r>
+              <a:rPr lang="en-US"/>
+              <a:t>Example: Area of a circle &amp; volume of a sphere (functions) </a:t>
+            </a:r>
+            <a:br>
+              <a:rPr lang="en-US"/>
+            </a:br>
+            <a:endParaRPr lang="en-US"/>
+          </a:p>
+        </p:txBody>
+      </p:sp>
+      <p:sp>
+        <p:nvSpPr>
+          <p:cNvPr id="3" name="Content Placeholder 2"/>
+          <p:cNvSpPr>
+            <a:spLocks noGrp="1"/>
+          </p:cNvSpPr>
+          <p:nvPr>
+            <p:ph idx="1"/>
+          </p:nvPr>
+        </p:nvSpPr>
+        <p:spPr/>
+        <p:txBody>
           <a:bodyPr/>
           <a:lstStyle/>
           <a:p>
             <a:r>
               <a:rPr lang="en-US" dirty="0" smtClean="0"/>
-              <a:t>Replicating &amp; reshaping</a:t>
-            </a:r>
-            <a:endParaRPr lang="en-US" dirty="0"/>
-          </a:p>
-        </p:txBody>
-      </p:sp>
-      <p:sp>
-        <p:nvSpPr>
-          <p:cNvPr id="3" name="Content Placeholder 2"/>
-          <p:cNvSpPr>
-            <a:spLocks noGrp="1"/>
-          </p:cNvSpPr>
-          <p:nvPr>
-            <p:ph idx="1"/>
-          </p:nvPr>
-        </p:nvSpPr>
-        <p:spPr>
-          <a:xfrm>
-            <a:off x="685800" y="2194560"/>
-            <a:ext cx="10820400" cy="4257040"/>
-          </a:xfrm>
-        </p:spPr>
-        <p:txBody>
-          <a:bodyPr>
-            <a:normAutofit fontScale="92500" lnSpcReduction="10000"/>
-          </a:bodyPr>
-          <a:lstStyle/>
-          <a:p>
+              <a:t>A(r) = </a:t>
+            </a:r>
+            <a:r>
+              <a:rPr lang="el-GR" dirty="0"/>
+              <a:t>π </a:t>
+            </a:r>
             <a:r>
               <a:rPr lang="en-US" dirty="0" smtClean="0"/>
-              <a:t>Replicating elements in vectors</a:t>
-            </a:r>
-          </a:p>
-          <a:p>
-            <a:pPr marL="0" indent="0">
+              <a:t>r</a:t>
+            </a:r>
+            <a:r>
+              <a:rPr lang="en-US" baseline="30000" dirty="0" smtClean="0"/>
+              <a:t>2	</a:t>
+            </a:r>
+            <a:r>
+              <a:rPr lang="en-US" dirty="0" smtClean="0"/>
+              <a:t>	r : radius</a:t>
+            </a:r>
+            <a:endParaRPr lang="el-GR" dirty="0"/>
+          </a:p>
+          <a:p>
+            <a:r>
+              <a:rPr lang="en-US" dirty="0" smtClean="0"/>
+              <a:t> To make it reproducible, use a function</a:t>
+            </a:r>
+          </a:p>
+          <a:p>
+            <a:r>
+              <a:rPr lang="en-US" dirty="0"/>
+              <a:t> </a:t>
+            </a:r>
+            <a:r>
+              <a:rPr lang="en-US" dirty="0" smtClean="0"/>
+              <a:t>Try it on 1:1:5</a:t>
+            </a:r>
+          </a:p>
+          <a:p>
+            <a:r>
+              <a:rPr lang="en-US" dirty="0" smtClean="0"/>
+              <a:t>Create a new function, </a:t>
+            </a:r>
+            <a:r>
+              <a:rPr lang="en-US" dirty="0" err="1"/>
+              <a:t>volOfSphere</a:t>
+            </a:r>
+            <a:r>
+              <a:rPr lang="en-US" dirty="0" smtClean="0"/>
+              <a:t>, and make it work:</a:t>
+            </a:r>
+          </a:p>
+          <a:p>
+            <a:pPr marL="457200" lvl="1" indent="0">
               <a:buNone/>
             </a:pPr>
-            <a:endParaRPr lang="en-US" dirty="0" smtClean="0"/>
+            <a:r>
+              <a:rPr lang="en-US" dirty="0" smtClean="0"/>
+              <a:t> </a:t>
+            </a:r>
+            <a:r>
+              <a:rPr lang="en-US" dirty="0"/>
+              <a:t>function </a:t>
+            </a:r>
+            <a:r>
+              <a:rPr lang="en-US" dirty="0" smtClean="0"/>
+              <a:t>[V] </a:t>
+            </a:r>
+            <a:r>
+              <a:rPr lang="en-US" dirty="0"/>
+              <a:t>= </a:t>
+            </a:r>
+            <a:r>
+              <a:rPr lang="en-US" dirty="0" err="1" smtClean="0"/>
+              <a:t>volOfSphere</a:t>
+            </a:r>
+            <a:r>
+              <a:rPr lang="en-US" dirty="0" smtClean="0"/>
+              <a:t>(r)</a:t>
+            </a:r>
+          </a:p>
+          <a:p>
+            <a:pPr marL="457200" lvl="1" indent="0">
+              <a:buNone/>
+            </a:pPr>
+            <a:r>
+              <a:rPr lang="is-IS" dirty="0" smtClean="0"/>
+              <a:t>…..</a:t>
+            </a:r>
+            <a:endParaRPr lang="en-US" dirty="0"/>
           </a:p>
           <a:p>
             <a:pPr lvl="1"/>
-            <a:r>
-              <a:rPr lang="en-US" dirty="0" smtClean="0"/>
-              <a:t>Example : </a:t>
-            </a:r>
-            <a:r>
-              <a:rPr lang="pt-BR" i="1" dirty="0"/>
-              <a:t>N = 3; A = [ 4 5 </a:t>
-            </a:r>
-            <a:r>
-              <a:rPr lang="pt-BR" i="1" dirty="0" smtClean="0"/>
-              <a:t>]</a:t>
-            </a:r>
-          </a:p>
-          <a:p>
-            <a:pPr marL="457200" lvl="1" indent="0">
-              <a:buNone/>
-            </a:pPr>
-            <a:r>
-              <a:rPr lang="pt-BR" dirty="0" smtClean="0"/>
-              <a:t>   </a:t>
-            </a:r>
-            <a:r>
-              <a:rPr lang="pt-BR" dirty="0" err="1" smtClean="0"/>
-              <a:t>Create</a:t>
-            </a:r>
-            <a:r>
-              <a:rPr lang="pt-BR" dirty="0" smtClean="0"/>
-              <a:t> </a:t>
-            </a:r>
-            <a:r>
-              <a:rPr lang="pt-BR" dirty="0"/>
-              <a:t>N copies </a:t>
-            </a:r>
-            <a:r>
-              <a:rPr lang="pt-BR" dirty="0" err="1"/>
-              <a:t>of</a:t>
-            </a:r>
-            <a:r>
-              <a:rPr lang="pt-BR" dirty="0"/>
-              <a:t> </a:t>
-            </a:r>
-            <a:r>
-              <a:rPr lang="pt-BR" dirty="0" err="1"/>
-              <a:t>each</a:t>
-            </a:r>
-            <a:r>
-              <a:rPr lang="pt-BR" dirty="0"/>
-              <a:t> </a:t>
-            </a:r>
-            <a:r>
-              <a:rPr lang="pt-BR" dirty="0" err="1"/>
-              <a:t>element</a:t>
-            </a:r>
-            <a:r>
-              <a:rPr lang="pt-BR" dirty="0"/>
-              <a:t> in A, </a:t>
-            </a:r>
-            <a:r>
-              <a:rPr lang="pt-BR" dirty="0" err="1"/>
-              <a:t>so</a:t>
-            </a:r>
-            <a:r>
-              <a:rPr lang="pt-BR" dirty="0"/>
-              <a:t> </a:t>
-            </a:r>
-            <a:r>
-              <a:rPr lang="pt-BR" dirty="0" err="1"/>
-              <a:t>B</a:t>
-            </a:r>
-            <a:r>
-              <a:rPr lang="pt-BR" dirty="0"/>
-              <a:t> = [ 4 4 4 5 5 5 </a:t>
-            </a:r>
-            <a:r>
-              <a:rPr lang="pt-BR" dirty="0" smtClean="0"/>
-              <a:t>]</a:t>
-            </a:r>
-          </a:p>
-          <a:p>
-            <a:pPr marL="914400" lvl="2" indent="0">
-              <a:buNone/>
-            </a:pPr>
-            <a:r>
-              <a:rPr lang="pt-BR" dirty="0"/>
-              <a:t> </a:t>
-            </a:r>
-            <a:r>
-              <a:rPr lang="pt-BR" dirty="0" smtClean="0"/>
-              <a:t>  Use </a:t>
-            </a:r>
-            <a:r>
-              <a:rPr lang="pt-BR" b="1" dirty="0" err="1" smtClean="0"/>
-              <a:t>kron</a:t>
-            </a:r>
-            <a:r>
-              <a:rPr lang="pt-BR" dirty="0"/>
-              <a:t>: </a:t>
-            </a:r>
-            <a:r>
-              <a:rPr lang="pt-BR" dirty="0" err="1"/>
-              <a:t>K</a:t>
-            </a:r>
-            <a:r>
-              <a:rPr lang="pt-BR" dirty="0"/>
-              <a:t> = </a:t>
-            </a:r>
-            <a:r>
-              <a:rPr lang="pt-BR" dirty="0" err="1"/>
-              <a:t>kron</a:t>
-            </a:r>
-            <a:r>
-              <a:rPr lang="pt-BR" dirty="0"/>
-              <a:t>(X,Y)</a:t>
-            </a:r>
-            <a:r>
-              <a:rPr lang="pt-BR" dirty="0"/>
-              <a:t> </a:t>
-            </a:r>
-            <a:r>
-              <a:rPr lang="pt-BR" dirty="0" err="1"/>
-              <a:t>returns</a:t>
-            </a:r>
-            <a:r>
-              <a:rPr lang="pt-BR" dirty="0"/>
-              <a:t> </a:t>
-            </a:r>
-            <a:r>
-              <a:rPr lang="pt-BR" dirty="0" err="1"/>
-              <a:t>the</a:t>
-            </a:r>
-            <a:r>
-              <a:rPr lang="pt-BR" dirty="0"/>
-              <a:t> </a:t>
-            </a:r>
-            <a:r>
-              <a:rPr lang="pt-BR" dirty="0" err="1"/>
-              <a:t>Kronecker</a:t>
-            </a:r>
-            <a:r>
-              <a:rPr lang="pt-BR" dirty="0"/>
-              <a:t> tensor </a:t>
-            </a:r>
-            <a:r>
-              <a:rPr lang="pt-BR" dirty="0" err="1"/>
-              <a:t>product</a:t>
-            </a:r>
-            <a:r>
-              <a:rPr lang="pt-BR" dirty="0"/>
-              <a:t> </a:t>
-            </a:r>
-            <a:r>
-              <a:rPr lang="pt-BR" dirty="0" err="1"/>
-              <a:t>of</a:t>
-            </a:r>
-            <a:r>
-              <a:rPr lang="pt-BR" dirty="0"/>
-              <a:t> </a:t>
-            </a:r>
-            <a:r>
-              <a:rPr lang="pt-BR" dirty="0" err="1"/>
-              <a:t>X</a:t>
-            </a:r>
-            <a:r>
-              <a:rPr lang="pt-BR" dirty="0"/>
-              <a:t> </a:t>
-            </a:r>
-            <a:r>
-              <a:rPr lang="pt-BR" dirty="0" err="1"/>
-              <a:t>and</a:t>
-            </a:r>
-            <a:r>
-              <a:rPr lang="pt-BR" dirty="0"/>
-              <a:t> </a:t>
-            </a:r>
-            <a:r>
-              <a:rPr lang="pt-BR" dirty="0" err="1" smtClean="0"/>
-              <a:t>Y</a:t>
-            </a:r>
-            <a:endParaRPr lang="pt-BR" dirty="0" smtClean="0"/>
-          </a:p>
-          <a:p>
-            <a:pPr marL="457200" lvl="1" indent="0">
-              <a:buNone/>
-            </a:pPr>
-            <a:r>
-              <a:rPr lang="pt-BR" dirty="0" smtClean="0"/>
-              <a:t>   &gt;&gt; </a:t>
-            </a:r>
-            <a:r>
-              <a:rPr lang="pt-BR" i="1" dirty="0" err="1" smtClean="0"/>
-              <a:t>kron</a:t>
-            </a:r>
-            <a:r>
-              <a:rPr lang="pt-BR" i="1" dirty="0" smtClean="0"/>
-              <a:t>(A,[1 1 1])</a:t>
-            </a:r>
-          </a:p>
-          <a:p>
-            <a:pPr marL="0" indent="0">
-              <a:buNone/>
-            </a:pPr>
-            <a:endParaRPr lang="pt-BR" dirty="0" smtClean="0"/>
-          </a:p>
-          <a:p>
-            <a:r>
-              <a:rPr lang="pt-BR" dirty="0" err="1" smtClean="0"/>
-              <a:t>Reshaping</a:t>
-            </a:r>
-            <a:r>
-              <a:rPr lang="pt-BR" dirty="0" smtClean="0"/>
-              <a:t> </a:t>
-            </a:r>
-            <a:r>
-              <a:rPr lang="pt-BR" dirty="0" err="1" smtClean="0"/>
-              <a:t>arrays</a:t>
-            </a:r>
-            <a:r>
-              <a:rPr lang="pt-BR" dirty="0" smtClean="0"/>
-              <a:t>:</a:t>
-            </a:r>
-            <a:r>
-              <a:rPr lang="pt-BR" dirty="0"/>
-              <a:t>	</a:t>
-            </a:r>
-            <a:endParaRPr lang="pt-BR" dirty="0" smtClean="0"/>
-          </a:p>
-          <a:p>
-            <a:pPr marL="0" indent="0">
-              <a:buNone/>
-            </a:pPr>
-            <a:endParaRPr lang="pt-BR" dirty="0" smtClean="0"/>
-          </a:p>
-          <a:p>
-            <a:pPr lvl="1"/>
-            <a:r>
-              <a:rPr lang="pt-BR" dirty="0"/>
-              <a:t>	</a:t>
-            </a:r>
-            <a:r>
-              <a:rPr lang="pt-BR" sz="2100" dirty="0" err="1" smtClean="0"/>
-              <a:t>Example</a:t>
-            </a:r>
-            <a:r>
-              <a:rPr lang="pt-BR" sz="2100" dirty="0" smtClean="0"/>
-              <a:t>:</a:t>
-            </a:r>
-          </a:p>
-          <a:p>
-            <a:pPr marL="914400" lvl="2" indent="0">
-              <a:buNone/>
-            </a:pPr>
-            <a:r>
-              <a:rPr lang="sk-SK" sz="2100" dirty="0" err="1"/>
-              <a:t>Reshape</a:t>
-            </a:r>
-            <a:r>
-              <a:rPr lang="sk-SK" sz="2100" dirty="0"/>
-              <a:t> a 3-by-4 </a:t>
-            </a:r>
-            <a:r>
-              <a:rPr lang="sk-SK" sz="2100" dirty="0" err="1"/>
-              <a:t>matrix</a:t>
-            </a:r>
-            <a:r>
-              <a:rPr lang="sk-SK" sz="2100" dirty="0"/>
-              <a:t> </a:t>
-            </a:r>
-            <a:r>
-              <a:rPr lang="sk-SK" sz="2100" dirty="0" err="1"/>
-              <a:t>into</a:t>
-            </a:r>
-            <a:r>
-              <a:rPr lang="sk-SK" sz="2100" dirty="0"/>
-              <a:t> a 2-by-6 </a:t>
-            </a:r>
-            <a:r>
-              <a:rPr lang="sk-SK" sz="2100" dirty="0" err="1"/>
-              <a:t>matrix</a:t>
-            </a:r>
-            <a:r>
-              <a:rPr lang="sk-SK" sz="2100" dirty="0"/>
-              <a:t>.</a:t>
-            </a:r>
-          </a:p>
-          <a:p>
-            <a:pPr marL="914400" lvl="2" indent="0">
-              <a:buNone/>
-            </a:pPr>
-            <a:r>
-              <a:rPr lang="sk-SK" sz="2100" i="1" dirty="0"/>
-              <a:t>A = </a:t>
-            </a:r>
-            <a:r>
-              <a:rPr lang="sk-SK" sz="2100" i="1" dirty="0" smtClean="0"/>
-              <a:t>[1 </a:t>
-            </a:r>
-            <a:r>
-              <a:rPr lang="sk-SK" sz="2100" i="1" dirty="0"/>
-              <a:t>4 7 10 </a:t>
-            </a:r>
-            <a:r>
-              <a:rPr lang="sk-SK" sz="2100" i="1" dirty="0" smtClean="0"/>
-              <a:t>; 2 </a:t>
-            </a:r>
-            <a:r>
-              <a:rPr lang="sk-SK" sz="2100" i="1" dirty="0"/>
-              <a:t>5 8 </a:t>
-            </a:r>
-            <a:r>
-              <a:rPr lang="sk-SK" sz="2100" i="1" dirty="0" smtClean="0"/>
-              <a:t>11; </a:t>
-            </a:r>
-            <a:r>
-              <a:rPr lang="sk-SK" sz="2100" i="1" dirty="0"/>
-              <a:t>3 6 9 12 </a:t>
-            </a:r>
-            <a:r>
-              <a:rPr lang="sk-SK" sz="2100" i="1" dirty="0" smtClean="0"/>
-              <a:t>]</a:t>
-            </a:r>
-          </a:p>
-          <a:p>
-            <a:pPr marL="914400" lvl="2" indent="0">
-              <a:buNone/>
-            </a:pPr>
-            <a:r>
-              <a:rPr lang="sk-SK" sz="2100" i="1" dirty="0" smtClean="0"/>
-              <a:t>B </a:t>
-            </a:r>
-            <a:r>
-              <a:rPr lang="sk-SK" sz="2100" i="1" dirty="0"/>
-              <a:t>= </a:t>
-            </a:r>
-            <a:r>
-              <a:rPr lang="sk-SK" sz="2100" i="1" dirty="0" err="1"/>
-              <a:t>reshape</a:t>
-            </a:r>
-            <a:r>
-              <a:rPr lang="sk-SK" sz="2100" i="1" dirty="0"/>
-              <a:t>(A,2,6) </a:t>
-            </a:r>
-            <a:r>
-              <a:rPr lang="sk-SK" sz="2100" i="1" dirty="0" smtClean="0"/>
-              <a:t> </a:t>
-            </a:r>
-            <a:r>
-              <a:rPr lang="sk-SK" sz="2100" dirty="0" smtClean="0"/>
-              <a:t>or </a:t>
-            </a:r>
-            <a:r>
-              <a:rPr lang="sk-SK" sz="2100" i="1" dirty="0"/>
-              <a:t>B = </a:t>
-            </a:r>
-            <a:r>
-              <a:rPr lang="sk-SK" sz="2100" i="1" dirty="0" err="1"/>
-              <a:t>reshape</a:t>
-            </a:r>
-            <a:r>
-              <a:rPr lang="sk-SK" sz="2100" i="1" dirty="0"/>
-              <a:t>(A,2,[]) </a:t>
-            </a:r>
-            <a:endParaRPr lang="sk-SK" sz="2100" i="1" dirty="0" smtClean="0"/>
+            <a:endParaRPr lang="en-US" dirty="0"/>
+          </a:p>
+          <a:p>
+            <a:endParaRPr lang="en-US" dirty="0"/>
           </a:p>
         </p:txBody>
       </p:sp>
@@ -8334,13 +8324,20 @@
     </p:spTree>
     <p:extLst>
       <p:ext uri="{BB962C8B-B14F-4D97-AF65-F5344CB8AC3E}">
-        <p14:creationId xmlns:p14="http://schemas.microsoft.com/office/powerpoint/2010/main" val="1495809693"/>
+        <p14:creationId xmlns:p14="http://schemas.microsoft.com/office/powerpoint/2010/main" val="323226376"/>
       </p:ext>
     </p:extLst>
   </p:cSld>
   <p:clrMapOvr>
     <a:masterClrMapping/>
   </p:clrMapOvr>
+  <p:timing>
+    <p:tnLst>
+      <p:par>
+        <p:cTn id="1" dur="indefinite" restart="never" nodeType="tmRoot"/>
+      </p:par>
+    </p:tnLst>
+  </p:timing>
 </p:sld>
 </file>
 
